--- a/教案/正则表达式的应用.pptx
+++ b/教案/正则表达式的应用.pptx
@@ -10,10 +10,11 @@
     <p:sldId id="259" r:id="rId4"/>
     <p:sldId id="258" r:id="rId5"/>
     <p:sldId id="264" r:id="rId6"/>
-    <p:sldId id="260" r:id="rId7"/>
-    <p:sldId id="263" r:id="rId8"/>
-    <p:sldId id="261" r:id="rId9"/>
-    <p:sldId id="262" r:id="rId10"/>
+    <p:sldId id="263" r:id="rId7"/>
+    <p:sldId id="260" r:id="rId8"/>
+    <p:sldId id="265" r:id="rId9"/>
+    <p:sldId id="261" r:id="rId10"/>
+    <p:sldId id="262" r:id="rId11"/>
   </p:sldIdLst>
   <p:sldSz cx="9144000" cy="6858000" type="screen4x3"/>
   <p:notesSz cx="6858000" cy="9144000"/>
@@ -164,7 +165,7 @@
           </a:lstStyle>
           <a:p>
             <a:r>
-              <a:rPr lang="zh-CN" altLang="en-US" smtClean="0"/>
+              <a:rPr lang="zh-CN" altLang="en-US"/>
               <a:t>单击此处编辑母版标题样式</a:t>
             </a:r>
             <a:endParaRPr lang="en-US" dirty="0"/>
@@ -284,7 +285,7 @@
           </a:lstStyle>
           <a:p>
             <a:r>
-              <a:rPr lang="zh-CN" altLang="en-US" smtClean="0"/>
+              <a:rPr lang="zh-CN" altLang="en-US"/>
               <a:t>单击以编辑母版副标题样式</a:t>
             </a:r>
             <a:endParaRPr lang="en-US" dirty="0"/>
@@ -309,7 +310,7 @@
             <a:fld id="{B61BEF0D-F0BB-DE4B-95CE-6DB70DBA9567}" type="datetimeFigureOut">
               <a:rPr lang="en-US" smtClean="0"/>
               <a:pPr/>
-              <a:t>12/6/2015</a:t>
+              <a:t>12/25/2018</a:t>
             </a:fld>
             <a:endParaRPr lang="en-US" dirty="0"/>
           </a:p>
@@ -496,7 +497,7 @@
           </a:lstStyle>
           <a:p>
             <a:r>
-              <a:rPr lang="zh-CN" altLang="en-US" smtClean="0"/>
+              <a:rPr lang="zh-CN" altLang="en-US"/>
               <a:t>单击此处编辑母版标题样式</a:t>
             </a:r>
             <a:endParaRPr lang="en-US" dirty="0"/>
@@ -619,7 +620,7 @@
           <a:p>
             <a:pPr lvl="0"/>
             <a:r>
-              <a:rPr lang="zh-CN" altLang="en-US" smtClean="0"/>
+              <a:rPr lang="zh-CN" altLang="en-US"/>
               <a:t>编辑母版文本样式</a:t>
             </a:r>
           </a:p>
@@ -643,7 +644,7 @@
             <a:fld id="{B61BEF0D-F0BB-DE4B-95CE-6DB70DBA9567}" type="datetimeFigureOut">
               <a:rPr lang="en-US" smtClean="0"/>
               <a:pPr/>
-              <a:t>12/6/2015</a:t>
+              <a:t>12/25/2018</a:t>
             </a:fld>
             <a:endParaRPr lang="en-US" dirty="0"/>
           </a:p>
@@ -834,7 +835,7 @@
           </a:lstStyle>
           <a:p>
             <a:r>
-              <a:rPr lang="zh-CN" altLang="en-US" smtClean="0"/>
+              <a:rPr lang="zh-CN" altLang="en-US"/>
               <a:t>单击此处编辑母版标题样式</a:t>
             </a:r>
             <a:endParaRPr lang="en-US" dirty="0"/>
@@ -898,7 +899,7 @@
           <a:p>
             <a:pPr lvl="0"/>
             <a:r>
-              <a:rPr lang="zh-CN" altLang="en-US" smtClean="0"/>
+              <a:rPr lang="zh-CN" altLang="en-US"/>
               <a:t>编辑母版文本样式</a:t>
             </a:r>
           </a:p>
@@ -1020,7 +1021,7 @@
           <a:p>
             <a:pPr lvl="0"/>
             <a:r>
-              <a:rPr lang="zh-CN" altLang="en-US" smtClean="0"/>
+              <a:rPr lang="zh-CN" altLang="en-US"/>
               <a:t>编辑母版文本样式</a:t>
             </a:r>
           </a:p>
@@ -1044,7 +1045,7 @@
             <a:fld id="{B61BEF0D-F0BB-DE4B-95CE-6DB70DBA9567}" type="datetimeFigureOut">
               <a:rPr lang="en-US" smtClean="0"/>
               <a:pPr/>
-              <a:t>12/6/2015</a:t>
+              <a:t>12/25/2018</a:t>
             </a:fld>
             <a:endParaRPr lang="en-US" dirty="0"/>
           </a:p>
@@ -1311,7 +1312,7 @@
           </a:lstStyle>
           <a:p>
             <a:r>
-              <a:rPr lang="zh-CN" altLang="en-US" smtClean="0"/>
+              <a:rPr lang="zh-CN" altLang="en-US"/>
               <a:t>单击此处编辑母版标题样式</a:t>
             </a:r>
             <a:endParaRPr lang="en-US" dirty="0"/>
@@ -1356,7 +1357,7 @@
               <a:buNone/>
             </a:pPr>
             <a:r>
-              <a:rPr lang="zh-CN" altLang="en-US" smtClean="0"/>
+              <a:rPr lang="zh-CN" altLang="en-US"/>
               <a:t>编辑母版文本样式</a:t>
             </a:r>
           </a:p>
@@ -1380,7 +1381,7 @@
             <a:fld id="{B61BEF0D-F0BB-DE4B-95CE-6DB70DBA9567}" type="datetimeFigureOut">
               <a:rPr lang="en-US" smtClean="0"/>
               <a:pPr/>
-              <a:t>12/6/2015</a:t>
+              <a:t>12/25/2018</a:t>
             </a:fld>
             <a:endParaRPr lang="en-US" dirty="0"/>
           </a:p>
@@ -1571,7 +1572,7 @@
           </a:lstStyle>
           <a:p>
             <a:r>
-              <a:rPr lang="zh-CN" altLang="en-US" smtClean="0"/>
+              <a:rPr lang="zh-CN" altLang="en-US"/>
               <a:t>单击此处编辑母版标题样式</a:t>
             </a:r>
             <a:endParaRPr lang="en-US" dirty="0"/>
@@ -1632,7 +1633,7 @@
           <a:p>
             <a:pPr lvl="0"/>
             <a:r>
-              <a:rPr lang="zh-CN" altLang="en-US" smtClean="0"/>
+              <a:rPr lang="zh-CN" altLang="en-US"/>
               <a:t>编辑母版文本样式</a:t>
             </a:r>
           </a:p>
@@ -1676,7 +1677,7 @@
               <a:buNone/>
             </a:pPr>
             <a:r>
-              <a:rPr lang="zh-CN" altLang="en-US" smtClean="0"/>
+              <a:rPr lang="zh-CN" altLang="en-US"/>
               <a:t>编辑母版文本样式</a:t>
             </a:r>
           </a:p>
@@ -1700,7 +1701,7 @@
             <a:fld id="{B61BEF0D-F0BB-DE4B-95CE-6DB70DBA9567}" type="datetimeFigureOut">
               <a:rPr lang="en-US" smtClean="0"/>
               <a:pPr/>
-              <a:t>12/6/2015</a:t>
+              <a:t>12/25/2018</a:t>
             </a:fld>
             <a:endParaRPr lang="en-US" dirty="0"/>
           </a:p>
@@ -1967,7 +1968,7 @@
           </a:lstStyle>
           <a:p>
             <a:r>
-              <a:rPr lang="zh-CN" altLang="en-US" smtClean="0"/>
+              <a:rPr lang="zh-CN" altLang="en-US"/>
               <a:t>单击此处编辑母版标题样式</a:t>
             </a:r>
             <a:endParaRPr lang="en-US" dirty="0"/>
@@ -2028,7 +2029,7 @@
           <a:p>
             <a:pPr lvl="0"/>
             <a:r>
-              <a:rPr lang="zh-CN" altLang="en-US" smtClean="0"/>
+              <a:rPr lang="zh-CN" altLang="en-US"/>
               <a:t>编辑母版文本样式</a:t>
             </a:r>
           </a:p>
@@ -2072,7 +2073,7 @@
               <a:buNone/>
             </a:pPr>
             <a:r>
-              <a:rPr lang="zh-CN" altLang="en-US" smtClean="0"/>
+              <a:rPr lang="zh-CN" altLang="en-US"/>
               <a:t>编辑母版文本样式</a:t>
             </a:r>
           </a:p>
@@ -2096,7 +2097,7 @@
             <a:fld id="{B61BEF0D-F0BB-DE4B-95CE-6DB70DBA9567}" type="datetimeFigureOut">
               <a:rPr lang="en-US" smtClean="0"/>
               <a:pPr/>
-              <a:t>12/6/2015</a:t>
+              <a:t>12/25/2018</a:t>
             </a:fld>
             <a:endParaRPr lang="en-US" dirty="0"/>
           </a:p>
@@ -2276,7 +2277,7 @@
           <a:lstStyle/>
           <a:p>
             <a:r>
-              <a:rPr lang="zh-CN" altLang="en-US" smtClean="0"/>
+              <a:rPr lang="zh-CN" altLang="en-US"/>
               <a:t>单击此处编辑母版标题样式</a:t>
             </a:r>
             <a:endParaRPr lang="en-US" dirty="0"/>
@@ -2300,35 +2301,35 @@
           <a:p>
             <a:pPr lvl="0"/>
             <a:r>
-              <a:rPr lang="zh-CN" altLang="en-US" smtClean="0"/>
+              <a:rPr lang="zh-CN" altLang="en-US"/>
               <a:t>编辑母版文本样式</a:t>
             </a:r>
           </a:p>
           <a:p>
             <a:pPr lvl="1"/>
             <a:r>
-              <a:rPr lang="zh-CN" altLang="en-US" smtClean="0"/>
+              <a:rPr lang="zh-CN" altLang="en-US"/>
               <a:t>第二级</a:t>
             </a:r>
           </a:p>
           <a:p>
             <a:pPr lvl="2"/>
             <a:r>
-              <a:rPr lang="zh-CN" altLang="en-US" smtClean="0"/>
+              <a:rPr lang="zh-CN" altLang="en-US"/>
               <a:t>第三级</a:t>
             </a:r>
           </a:p>
           <a:p>
             <a:pPr lvl="3"/>
             <a:r>
-              <a:rPr lang="zh-CN" altLang="en-US" smtClean="0"/>
+              <a:rPr lang="zh-CN" altLang="en-US"/>
               <a:t>第四级</a:t>
             </a:r>
           </a:p>
           <a:p>
             <a:pPr lvl="4"/>
             <a:r>
-              <a:rPr lang="zh-CN" altLang="en-US" smtClean="0"/>
+              <a:rPr lang="zh-CN" altLang="en-US"/>
               <a:t>第五级</a:t>
             </a:r>
             <a:endParaRPr lang="en-US" dirty="0"/>
@@ -2353,7 +2354,7 @@
             <a:fld id="{B61BEF0D-F0BB-DE4B-95CE-6DB70DBA9567}" type="datetimeFigureOut">
               <a:rPr lang="en-US" smtClean="0"/>
               <a:pPr/>
-              <a:t>12/6/2015</a:t>
+              <a:t>12/25/2018</a:t>
             </a:fld>
             <a:endParaRPr lang="en-US" dirty="0"/>
           </a:p>
@@ -2533,7 +2534,7 @@
           <a:lstStyle/>
           <a:p>
             <a:r>
-              <a:rPr lang="zh-CN" altLang="en-US" smtClean="0"/>
+              <a:rPr lang="zh-CN" altLang="en-US"/>
               <a:t>单击此处编辑母版标题样式</a:t>
             </a:r>
             <a:endParaRPr lang="en-US" dirty="0"/>
@@ -2562,35 +2563,35 @@
           <a:p>
             <a:pPr lvl="0"/>
             <a:r>
-              <a:rPr lang="zh-CN" altLang="en-US" smtClean="0"/>
+              <a:rPr lang="zh-CN" altLang="en-US"/>
               <a:t>编辑母版文本样式</a:t>
             </a:r>
           </a:p>
           <a:p>
             <a:pPr lvl="1"/>
             <a:r>
-              <a:rPr lang="zh-CN" altLang="en-US" smtClean="0"/>
+              <a:rPr lang="zh-CN" altLang="en-US"/>
               <a:t>第二级</a:t>
             </a:r>
           </a:p>
           <a:p>
             <a:pPr lvl="2"/>
             <a:r>
-              <a:rPr lang="zh-CN" altLang="en-US" smtClean="0"/>
+              <a:rPr lang="zh-CN" altLang="en-US"/>
               <a:t>第三级</a:t>
             </a:r>
           </a:p>
           <a:p>
             <a:pPr lvl="3"/>
             <a:r>
-              <a:rPr lang="zh-CN" altLang="en-US" smtClean="0"/>
+              <a:rPr lang="zh-CN" altLang="en-US"/>
               <a:t>第四级</a:t>
             </a:r>
           </a:p>
           <a:p>
             <a:pPr lvl="4"/>
             <a:r>
-              <a:rPr lang="zh-CN" altLang="en-US" smtClean="0"/>
+              <a:rPr lang="zh-CN" altLang="en-US"/>
               <a:t>第五级</a:t>
             </a:r>
             <a:endParaRPr lang="en-US" dirty="0"/>
@@ -2615,7 +2616,7 @@
             <a:fld id="{B61BEF0D-F0BB-DE4B-95CE-6DB70DBA9567}" type="datetimeFigureOut">
               <a:rPr lang="en-US" smtClean="0"/>
               <a:pPr/>
-              <a:t>12/6/2015</a:t>
+              <a:t>12/25/2018</a:t>
             </a:fld>
             <a:endParaRPr lang="en-US" dirty="0"/>
           </a:p>
@@ -2795,7 +2796,7 @@
           <a:lstStyle/>
           <a:p>
             <a:r>
-              <a:rPr lang="zh-CN" altLang="en-US" smtClean="0"/>
+              <a:rPr lang="zh-CN" altLang="en-US"/>
               <a:t>单击此处编辑母版标题样式</a:t>
             </a:r>
             <a:endParaRPr lang="en-US" dirty="0"/>
@@ -2865,35 +2866,35 @@
           <a:p>
             <a:pPr lvl="0"/>
             <a:r>
-              <a:rPr lang="zh-CN" altLang="en-US" dirty="0" smtClean="0"/>
+              <a:rPr lang="zh-CN" altLang="en-US" dirty="0"/>
               <a:t>编辑母版文本样式</a:t>
             </a:r>
           </a:p>
           <a:p>
             <a:pPr lvl="1"/>
             <a:r>
-              <a:rPr lang="zh-CN" altLang="en-US" dirty="0" smtClean="0"/>
+              <a:rPr lang="zh-CN" altLang="en-US" dirty="0"/>
               <a:t>第二级</a:t>
             </a:r>
           </a:p>
           <a:p>
             <a:pPr lvl="2"/>
             <a:r>
-              <a:rPr lang="zh-CN" altLang="en-US" dirty="0" smtClean="0"/>
+              <a:rPr lang="zh-CN" altLang="en-US" dirty="0"/>
               <a:t>第三级</a:t>
             </a:r>
           </a:p>
           <a:p>
             <a:pPr lvl="3"/>
             <a:r>
-              <a:rPr lang="zh-CN" altLang="en-US" dirty="0" smtClean="0"/>
+              <a:rPr lang="zh-CN" altLang="en-US" dirty="0"/>
               <a:t>第四级</a:t>
             </a:r>
           </a:p>
           <a:p>
             <a:pPr lvl="4"/>
             <a:r>
-              <a:rPr lang="zh-CN" altLang="en-US" dirty="0" smtClean="0"/>
+              <a:rPr lang="zh-CN" altLang="en-US" dirty="0"/>
               <a:t>第五级</a:t>
             </a:r>
             <a:endParaRPr lang="en-US" dirty="0"/>
@@ -2918,7 +2919,7 @@
             <a:fld id="{B61BEF0D-F0BB-DE4B-95CE-6DB70DBA9567}" type="datetimeFigureOut">
               <a:rPr lang="en-US" smtClean="0"/>
               <a:pPr/>
-              <a:t>12/6/2015</a:t>
+              <a:t>12/25/2018</a:t>
             </a:fld>
             <a:endParaRPr lang="en-US" dirty="0"/>
           </a:p>
@@ -3102,7 +3103,7 @@
           </a:lstStyle>
           <a:p>
             <a:r>
-              <a:rPr lang="zh-CN" altLang="en-US" smtClean="0"/>
+              <a:rPr lang="zh-CN" altLang="en-US"/>
               <a:t>单击此处编辑母版标题样式</a:t>
             </a:r>
             <a:endParaRPr lang="en-US" dirty="0"/>
@@ -3223,7 +3224,7 @@
           <a:p>
             <a:pPr lvl="0"/>
             <a:r>
-              <a:rPr lang="zh-CN" altLang="en-US" smtClean="0"/>
+              <a:rPr lang="zh-CN" altLang="en-US"/>
               <a:t>编辑母版文本样式</a:t>
             </a:r>
           </a:p>
@@ -3247,7 +3248,7 @@
             <a:fld id="{B61BEF0D-F0BB-DE4B-95CE-6DB70DBA9567}" type="datetimeFigureOut">
               <a:rPr lang="en-US" smtClean="0"/>
               <a:pPr/>
-              <a:t>12/6/2015</a:t>
+              <a:t>12/25/2018</a:t>
             </a:fld>
             <a:endParaRPr lang="en-US" dirty="0"/>
           </a:p>
@@ -3427,7 +3428,7 @@
           <a:lstStyle/>
           <a:p>
             <a:r>
-              <a:rPr lang="zh-CN" altLang="en-US" smtClean="0"/>
+              <a:rPr lang="zh-CN" altLang="en-US"/>
               <a:t>单击此处编辑母版标题样式</a:t>
             </a:r>
             <a:endParaRPr lang="en-US" dirty="0"/>
@@ -3458,35 +3459,35 @@
           <a:p>
             <a:pPr lvl="0"/>
             <a:r>
-              <a:rPr lang="zh-CN" altLang="en-US" smtClean="0"/>
+              <a:rPr lang="zh-CN" altLang="en-US"/>
               <a:t>编辑母版文本样式</a:t>
             </a:r>
           </a:p>
           <a:p>
             <a:pPr lvl="1"/>
             <a:r>
-              <a:rPr lang="zh-CN" altLang="en-US" smtClean="0"/>
+              <a:rPr lang="zh-CN" altLang="en-US"/>
               <a:t>第二级</a:t>
             </a:r>
           </a:p>
           <a:p>
             <a:pPr lvl="2"/>
             <a:r>
-              <a:rPr lang="zh-CN" altLang="en-US" smtClean="0"/>
+              <a:rPr lang="zh-CN" altLang="en-US"/>
               <a:t>第三级</a:t>
             </a:r>
           </a:p>
           <a:p>
             <a:pPr lvl="3"/>
             <a:r>
-              <a:rPr lang="zh-CN" altLang="en-US" smtClean="0"/>
+              <a:rPr lang="zh-CN" altLang="en-US"/>
               <a:t>第四级</a:t>
             </a:r>
           </a:p>
           <a:p>
             <a:pPr lvl="4"/>
             <a:r>
-              <a:rPr lang="zh-CN" altLang="en-US" smtClean="0"/>
+              <a:rPr lang="zh-CN" altLang="en-US"/>
               <a:t>第五级</a:t>
             </a:r>
             <a:endParaRPr lang="en-US" dirty="0"/>
@@ -3517,35 +3518,35 @@
           <a:p>
             <a:pPr lvl="0"/>
             <a:r>
-              <a:rPr lang="zh-CN" altLang="en-US" smtClean="0"/>
+              <a:rPr lang="zh-CN" altLang="en-US"/>
               <a:t>编辑母版文本样式</a:t>
             </a:r>
           </a:p>
           <a:p>
             <a:pPr lvl="1"/>
             <a:r>
-              <a:rPr lang="zh-CN" altLang="en-US" smtClean="0"/>
+              <a:rPr lang="zh-CN" altLang="en-US"/>
               <a:t>第二级</a:t>
             </a:r>
           </a:p>
           <a:p>
             <a:pPr lvl="2"/>
             <a:r>
-              <a:rPr lang="zh-CN" altLang="en-US" smtClean="0"/>
+              <a:rPr lang="zh-CN" altLang="en-US"/>
               <a:t>第三级</a:t>
             </a:r>
           </a:p>
           <a:p>
             <a:pPr lvl="3"/>
             <a:r>
-              <a:rPr lang="zh-CN" altLang="en-US" smtClean="0"/>
+              <a:rPr lang="zh-CN" altLang="en-US"/>
               <a:t>第四级</a:t>
             </a:r>
           </a:p>
           <a:p>
             <a:pPr lvl="4"/>
             <a:r>
-              <a:rPr lang="zh-CN" altLang="en-US" smtClean="0"/>
+              <a:rPr lang="zh-CN" altLang="en-US"/>
               <a:t>第五级</a:t>
             </a:r>
             <a:endParaRPr lang="en-US" dirty="0"/>
@@ -3570,7 +3571,7 @@
             <a:fld id="{B61BEF0D-F0BB-DE4B-95CE-6DB70DBA9567}" type="datetimeFigureOut">
               <a:rPr lang="en-US" smtClean="0"/>
               <a:pPr/>
-              <a:t>12/6/2015</a:t>
+              <a:t>12/25/2018</a:t>
             </a:fld>
             <a:endParaRPr lang="en-US" dirty="0"/>
           </a:p>
@@ -3750,7 +3751,7 @@
           <a:lstStyle/>
           <a:p>
             <a:r>
-              <a:rPr lang="zh-CN" altLang="en-US" smtClean="0"/>
+              <a:rPr lang="zh-CN" altLang="en-US"/>
               <a:t>单击此处编辑母版标题样式</a:t>
             </a:r>
             <a:endParaRPr lang="en-US" dirty="0"/>
@@ -3818,7 +3819,7 @@
           <a:p>
             <a:pPr lvl="0"/>
             <a:r>
-              <a:rPr lang="zh-CN" altLang="en-US" smtClean="0"/>
+              <a:rPr lang="zh-CN" altLang="en-US"/>
               <a:t>编辑母版文本样式</a:t>
             </a:r>
           </a:p>
@@ -3848,35 +3849,35 @@
           <a:p>
             <a:pPr lvl="0"/>
             <a:r>
-              <a:rPr lang="zh-CN" altLang="en-US" smtClean="0"/>
+              <a:rPr lang="zh-CN" altLang="en-US"/>
               <a:t>编辑母版文本样式</a:t>
             </a:r>
           </a:p>
           <a:p>
             <a:pPr lvl="1"/>
             <a:r>
-              <a:rPr lang="zh-CN" altLang="en-US" smtClean="0"/>
+              <a:rPr lang="zh-CN" altLang="en-US"/>
               <a:t>第二级</a:t>
             </a:r>
           </a:p>
           <a:p>
             <a:pPr lvl="2"/>
             <a:r>
-              <a:rPr lang="zh-CN" altLang="en-US" smtClean="0"/>
+              <a:rPr lang="zh-CN" altLang="en-US"/>
               <a:t>第三级</a:t>
             </a:r>
           </a:p>
           <a:p>
             <a:pPr lvl="3"/>
             <a:r>
-              <a:rPr lang="zh-CN" altLang="en-US" smtClean="0"/>
+              <a:rPr lang="zh-CN" altLang="en-US"/>
               <a:t>第四级</a:t>
             </a:r>
           </a:p>
           <a:p>
             <a:pPr lvl="4"/>
             <a:r>
-              <a:rPr lang="zh-CN" altLang="en-US" smtClean="0"/>
+              <a:rPr lang="zh-CN" altLang="en-US"/>
               <a:t>第五级</a:t>
             </a:r>
             <a:endParaRPr lang="en-US" dirty="0"/>
@@ -3944,7 +3945,7 @@
           <a:p>
             <a:pPr lvl="0"/>
             <a:r>
-              <a:rPr lang="zh-CN" altLang="en-US" smtClean="0"/>
+              <a:rPr lang="zh-CN" altLang="en-US"/>
               <a:t>编辑母版文本样式</a:t>
             </a:r>
           </a:p>
@@ -3974,35 +3975,35 @@
           <a:p>
             <a:pPr lvl="0"/>
             <a:r>
-              <a:rPr lang="zh-CN" altLang="en-US" smtClean="0"/>
+              <a:rPr lang="zh-CN" altLang="en-US"/>
               <a:t>编辑母版文本样式</a:t>
             </a:r>
           </a:p>
           <a:p>
             <a:pPr lvl="1"/>
             <a:r>
-              <a:rPr lang="zh-CN" altLang="en-US" smtClean="0"/>
+              <a:rPr lang="zh-CN" altLang="en-US"/>
               <a:t>第二级</a:t>
             </a:r>
           </a:p>
           <a:p>
             <a:pPr lvl="2"/>
             <a:r>
-              <a:rPr lang="zh-CN" altLang="en-US" smtClean="0"/>
+              <a:rPr lang="zh-CN" altLang="en-US"/>
               <a:t>第三级</a:t>
             </a:r>
           </a:p>
           <a:p>
             <a:pPr lvl="3"/>
             <a:r>
-              <a:rPr lang="zh-CN" altLang="en-US" smtClean="0"/>
+              <a:rPr lang="zh-CN" altLang="en-US"/>
               <a:t>第四级</a:t>
             </a:r>
           </a:p>
           <a:p>
             <a:pPr lvl="4"/>
             <a:r>
-              <a:rPr lang="zh-CN" altLang="en-US" smtClean="0"/>
+              <a:rPr lang="zh-CN" altLang="en-US"/>
               <a:t>第五级</a:t>
             </a:r>
             <a:endParaRPr lang="en-US" dirty="0"/>
@@ -4027,7 +4028,7 @@
             <a:fld id="{B61BEF0D-F0BB-DE4B-95CE-6DB70DBA9567}" type="datetimeFigureOut">
               <a:rPr lang="en-US" smtClean="0"/>
               <a:pPr/>
-              <a:t>12/6/2015</a:t>
+              <a:t>12/25/2018</a:t>
             </a:fld>
             <a:endParaRPr lang="en-US" dirty="0"/>
           </a:p>
@@ -4212,7 +4213,7 @@
           <a:lstStyle/>
           <a:p>
             <a:r>
-              <a:rPr lang="zh-CN" altLang="en-US" smtClean="0"/>
+              <a:rPr lang="zh-CN" altLang="en-US"/>
               <a:t>单击此处编辑母版标题样式</a:t>
             </a:r>
             <a:endParaRPr lang="en-US" dirty="0"/>
@@ -4237,7 +4238,7 @@
             <a:fld id="{B61BEF0D-F0BB-DE4B-95CE-6DB70DBA9567}" type="datetimeFigureOut">
               <a:rPr lang="en-US" smtClean="0"/>
               <a:pPr/>
-              <a:t>12/6/2015</a:t>
+              <a:t>12/25/2018</a:t>
             </a:fld>
             <a:endParaRPr lang="en-US" dirty="0"/>
           </a:p>
@@ -4414,7 +4415,7 @@
             <a:fld id="{B61BEF0D-F0BB-DE4B-95CE-6DB70DBA9567}" type="datetimeFigureOut">
               <a:rPr lang="en-US" smtClean="0"/>
               <a:pPr/>
-              <a:t>12/6/2015</a:t>
+              <a:t>12/25/2018</a:t>
             </a:fld>
             <a:endParaRPr lang="en-US" dirty="0"/>
           </a:p>
@@ -4598,7 +4599,7 @@
           </a:lstStyle>
           <a:p>
             <a:r>
-              <a:rPr lang="zh-CN" altLang="en-US" smtClean="0"/>
+              <a:rPr lang="zh-CN" altLang="en-US"/>
               <a:t>单击此处编辑母版标题样式</a:t>
             </a:r>
             <a:endParaRPr lang="en-US" dirty="0"/>
@@ -4629,35 +4630,35 @@
           <a:p>
             <a:pPr lvl="0"/>
             <a:r>
-              <a:rPr lang="zh-CN" altLang="en-US" smtClean="0"/>
+              <a:rPr lang="zh-CN" altLang="en-US"/>
               <a:t>编辑母版文本样式</a:t>
             </a:r>
           </a:p>
           <a:p>
             <a:pPr lvl="1"/>
             <a:r>
-              <a:rPr lang="zh-CN" altLang="en-US" smtClean="0"/>
+              <a:rPr lang="zh-CN" altLang="en-US"/>
               <a:t>第二级</a:t>
             </a:r>
           </a:p>
           <a:p>
             <a:pPr lvl="2"/>
             <a:r>
-              <a:rPr lang="zh-CN" altLang="en-US" smtClean="0"/>
+              <a:rPr lang="zh-CN" altLang="en-US"/>
               <a:t>第三级</a:t>
             </a:r>
           </a:p>
           <a:p>
             <a:pPr lvl="3"/>
             <a:r>
-              <a:rPr lang="zh-CN" altLang="en-US" smtClean="0"/>
+              <a:rPr lang="zh-CN" altLang="en-US"/>
               <a:t>第四级</a:t>
             </a:r>
           </a:p>
           <a:p>
             <a:pPr lvl="4"/>
             <a:r>
-              <a:rPr lang="zh-CN" altLang="en-US" smtClean="0"/>
+              <a:rPr lang="zh-CN" altLang="en-US"/>
               <a:t>第五级</a:t>
             </a:r>
             <a:endParaRPr lang="en-US" dirty="0"/>
@@ -4723,7 +4724,7 @@
           <a:p>
             <a:pPr lvl="0"/>
             <a:r>
-              <a:rPr lang="zh-CN" altLang="en-US" smtClean="0"/>
+              <a:rPr lang="zh-CN" altLang="en-US"/>
               <a:t>编辑母版文本样式</a:t>
             </a:r>
           </a:p>
@@ -4747,7 +4748,7 @@
             <a:fld id="{B61BEF0D-F0BB-DE4B-95CE-6DB70DBA9567}" type="datetimeFigureOut">
               <a:rPr lang="en-US" smtClean="0"/>
               <a:pPr/>
-              <a:t>12/6/2015</a:t>
+              <a:t>12/25/2018</a:t>
             </a:fld>
             <a:endParaRPr lang="en-US" dirty="0"/>
           </a:p>
@@ -4933,7 +4934,7 @@
           </a:lstStyle>
           <a:p>
             <a:r>
-              <a:rPr lang="zh-CN" altLang="en-US" smtClean="0"/>
+              <a:rPr lang="zh-CN" altLang="en-US"/>
               <a:t>单击此处编辑母版标题样式</a:t>
             </a:r>
             <a:endParaRPr lang="en-US" dirty="0"/>
@@ -5000,7 +5001,7 @@
           </a:lstStyle>
           <a:p>
             <a:r>
-              <a:rPr lang="zh-CN" altLang="en-US" smtClean="0"/>
+              <a:rPr lang="zh-CN" altLang="en-US"/>
               <a:t>单击图标添加图片</a:t>
             </a:r>
             <a:endParaRPr lang="en-US" dirty="0"/>
@@ -5068,7 +5069,7 @@
           <a:p>
             <a:pPr lvl="0"/>
             <a:r>
-              <a:rPr lang="zh-CN" altLang="en-US" smtClean="0"/>
+              <a:rPr lang="zh-CN" altLang="en-US"/>
               <a:t>编辑母版文本样式</a:t>
             </a:r>
           </a:p>
@@ -5092,7 +5093,7 @@
             <a:fld id="{B61BEF0D-F0BB-DE4B-95CE-6DB70DBA9567}" type="datetimeFigureOut">
               <a:rPr lang="en-US" smtClean="0"/>
               <a:pPr/>
-              <a:t>12/6/2015</a:t>
+              <a:t>12/25/2018</a:t>
             </a:fld>
             <a:endParaRPr lang="en-US" dirty="0"/>
           </a:p>
@@ -7104,7 +7105,7 @@
           <a:lstStyle/>
           <a:p>
             <a:r>
-              <a:rPr lang="zh-CN" altLang="en-US" smtClean="0"/>
+              <a:rPr lang="zh-CN" altLang="en-US"/>
               <a:t>单击此处编辑母版标题样式</a:t>
             </a:r>
             <a:endParaRPr lang="en-US" dirty="0"/>
@@ -7138,35 +7139,35 @@
           <a:p>
             <a:pPr lvl="0"/>
             <a:r>
-              <a:rPr lang="zh-CN" altLang="en-US" smtClean="0"/>
+              <a:rPr lang="zh-CN" altLang="en-US"/>
               <a:t>编辑母版文本样式</a:t>
             </a:r>
           </a:p>
           <a:p>
             <a:pPr lvl="1"/>
             <a:r>
-              <a:rPr lang="zh-CN" altLang="en-US" smtClean="0"/>
+              <a:rPr lang="zh-CN" altLang="en-US"/>
               <a:t>第二级</a:t>
             </a:r>
           </a:p>
           <a:p>
             <a:pPr lvl="2"/>
             <a:r>
-              <a:rPr lang="zh-CN" altLang="en-US" smtClean="0"/>
+              <a:rPr lang="zh-CN" altLang="en-US"/>
               <a:t>第三级</a:t>
             </a:r>
           </a:p>
           <a:p>
             <a:pPr lvl="3"/>
             <a:r>
-              <a:rPr lang="zh-CN" altLang="en-US" smtClean="0"/>
+              <a:rPr lang="zh-CN" altLang="en-US"/>
               <a:t>第四级</a:t>
             </a:r>
           </a:p>
           <a:p>
             <a:pPr lvl="4"/>
             <a:r>
-              <a:rPr lang="zh-CN" altLang="en-US" smtClean="0"/>
+              <a:rPr lang="zh-CN" altLang="en-US"/>
               <a:t>第五级</a:t>
             </a:r>
             <a:endParaRPr lang="en-US" dirty="0"/>
@@ -7209,7 +7210,7 @@
             <a:fld id="{B61BEF0D-F0BB-DE4B-95CE-6DB70DBA9567}" type="datetimeFigureOut">
               <a:rPr lang="en-US" smtClean="0"/>
               <a:pPr/>
-              <a:t>12/6/2015</a:t>
+              <a:t>12/25/2018</a:t>
             </a:fld>
             <a:endParaRPr lang="en-US" dirty="0"/>
           </a:p>
@@ -7744,10 +7745,9 @@
           <a:lstStyle/>
           <a:p>
             <a:r>
-              <a:rPr lang="zh-CN" altLang="en-US" dirty="0" smtClean="0"/>
+              <a:rPr lang="zh-CN" altLang="en-US" dirty="0"/>
               <a:t>正则表达式的应用</a:t>
             </a:r>
-            <a:endParaRPr lang="zh-CN" altLang="en-US" dirty="0"/>
           </a:p>
         </p:txBody>
       </p:sp>
@@ -7768,15 +7768,15 @@
           <a:p>
             <a:pPr algn="r"/>
             <a:r>
-              <a:rPr lang="en-US" altLang="zh-CN" dirty="0" smtClean="0"/>
+              <a:rPr lang="en-US" altLang="zh-CN" dirty="0"/>
               <a:t>《</a:t>
             </a:r>
             <a:r>
-              <a:rPr lang="zh-CN" altLang="en-US" dirty="0" smtClean="0"/>
+              <a:rPr lang="zh-CN" altLang="en-US" dirty="0"/>
               <a:t>软件设计与实践</a:t>
             </a:r>
             <a:r>
-              <a:rPr lang="en-US" altLang="zh-CN" dirty="0" smtClean="0"/>
+              <a:rPr lang="en-US" altLang="zh-CN" dirty="0"/>
               <a:t>》</a:t>
             </a:r>
             <a:endParaRPr lang="zh-CN" altLang="en-US" dirty="0"/>
@@ -7787,6 +7787,95 @@
     <p:extLst>
       <p:ext uri="{BB962C8B-B14F-4D97-AF65-F5344CB8AC3E}">
         <p14:creationId xmlns:p14="http://schemas.microsoft.com/office/powerpoint/2010/main" val="3540560082"/>
+      </p:ext>
+    </p:extLst>
+  </p:cSld>
+  <p:clrMapOvr>
+    <a:masterClrMapping/>
+  </p:clrMapOvr>
+</p:sld>
+</file>
+
+<file path=ppt/slides/slide10.xml><?xml version="1.0" encoding="utf-8"?>
+<p:sld xmlns:a="http://schemas.openxmlformats.org/drawingml/2006/main" xmlns:r="http://schemas.openxmlformats.org/officeDocument/2006/relationships" xmlns:p="http://schemas.openxmlformats.org/presentationml/2006/main">
+  <p:cSld>
+    <p:spTree>
+      <p:nvGrpSpPr>
+        <p:cNvPr id="1" name=""/>
+        <p:cNvGrpSpPr/>
+        <p:nvPr/>
+      </p:nvGrpSpPr>
+      <p:grpSpPr>
+        <a:xfrm>
+          <a:off x="0" y="0"/>
+          <a:ext cx="0" cy="0"/>
+          <a:chOff x="0" y="0"/>
+          <a:chExt cx="0" cy="0"/>
+        </a:xfrm>
+      </p:grpSpPr>
+      <p:sp>
+        <p:nvSpPr>
+          <p:cNvPr id="2" name="标题 1"/>
+          <p:cNvSpPr>
+            <a:spLocks noGrp="1"/>
+          </p:cNvSpPr>
+          <p:nvPr>
+            <p:ph type="title"/>
+          </p:nvPr>
+        </p:nvSpPr>
+        <p:spPr/>
+        <p:txBody>
+          <a:bodyPr/>
+          <a:lstStyle/>
+          <a:p>
+            <a:r>
+              <a:rPr lang="zh-CN" altLang="en-US" dirty="0"/>
+              <a:t>练习</a:t>
+            </a:r>
+            <a:r>
+              <a:rPr lang="en-US" altLang="zh-CN" dirty="0"/>
+              <a:t>03</a:t>
+            </a:r>
+            <a:r>
+              <a:rPr lang="zh-CN" altLang="en-US" dirty="0"/>
+              <a:t>：正则表达式测试器</a:t>
+            </a:r>
+          </a:p>
+        </p:txBody>
+      </p:sp>
+      <p:sp>
+        <p:nvSpPr>
+          <p:cNvPr id="3" name="内容占位符 2"/>
+          <p:cNvSpPr>
+            <a:spLocks noGrp="1"/>
+          </p:cNvSpPr>
+          <p:nvPr>
+            <p:ph idx="1"/>
+          </p:nvPr>
+        </p:nvSpPr>
+        <p:spPr/>
+        <p:txBody>
+          <a:bodyPr/>
+          <a:lstStyle/>
+          <a:p>
+            <a:r>
+              <a:rPr lang="zh-CN" altLang="en-US" dirty="0"/>
+              <a:t>编写一个用于测试和验证正则表达式的程序。</a:t>
+            </a:r>
+            <a:endParaRPr lang="en-US" altLang="zh-CN" dirty="0"/>
+          </a:p>
+          <a:p>
+            <a:r>
+              <a:rPr lang="zh-CN" altLang="en-US" dirty="0"/>
+              <a:t>可以输入正则表达式、替换表达式和测试文本，测试正则表达式在测试文本上的匹配结果、提取结果和替换结果。</a:t>
+            </a:r>
+          </a:p>
+        </p:txBody>
+      </p:sp>
+    </p:spTree>
+    <p:extLst>
+      <p:ext uri="{BB962C8B-B14F-4D97-AF65-F5344CB8AC3E}">
+        <p14:creationId xmlns:p14="http://schemas.microsoft.com/office/powerpoint/2010/main" val="1624508553"/>
       </p:ext>
     </p:extLst>
   </p:cSld>
@@ -7829,10 +7918,9 @@
           <a:lstStyle/>
           <a:p>
             <a:r>
-              <a:rPr lang="zh-CN" altLang="en-US" dirty="0" smtClean="0"/>
+              <a:rPr lang="zh-CN" altLang="en-US" dirty="0"/>
               <a:t>关于正则表达式</a:t>
             </a:r>
-            <a:endParaRPr lang="zh-CN" altLang="en-US" dirty="0"/>
           </a:p>
         </p:txBody>
       </p:sp>
@@ -7854,7 +7942,7 @@
           <a:lstStyle/>
           <a:p>
             <a:r>
-              <a:rPr lang="en-US" altLang="zh-CN" dirty="0" smtClean="0">
+              <a:rPr lang="en-US" altLang="zh-CN" dirty="0">
                 <a:latin typeface="Courier New" panose="02070309020205020404" pitchFamily="49" charset="0"/>
               </a:rPr>
               <a:t>Regular Expression</a:t>
@@ -7863,49 +7951,37 @@
           <a:p>
             <a:pPr lvl="1"/>
             <a:r>
-              <a:rPr lang="zh-CN" altLang="en-US" dirty="0" smtClean="0">
+              <a:rPr lang="zh-CN" altLang="en-US" dirty="0">
                 <a:latin typeface="Courier New" panose="02070309020205020404" pitchFamily="49" charset="0"/>
               </a:rPr>
               <a:t>描述文法规则的一个字符串，可用来描述文本的模式。</a:t>
             </a:r>
-            <a:endParaRPr lang="en-US" altLang="zh-CN" dirty="0" smtClean="0">
+            <a:endParaRPr lang="en-US" altLang="zh-CN" dirty="0">
               <a:latin typeface="Courier New" panose="02070309020205020404" pitchFamily="49" charset="0"/>
             </a:endParaRPr>
           </a:p>
           <a:p>
             <a:pPr lvl="1"/>
             <a:r>
-              <a:rPr lang="zh-CN" altLang="en-US" dirty="0" smtClean="0">
-                <a:latin typeface="Courier New" panose="02070309020205020404" pitchFamily="49" charset="0"/>
-              </a:rPr>
-              <a:t>可用于对文</a:t>
-            </a:r>
-            <a:r>
               <a:rPr lang="zh-CN" altLang="en-US" dirty="0">
                 <a:latin typeface="Courier New" panose="02070309020205020404" pitchFamily="49" charset="0"/>
               </a:rPr>
-              <a:t>本</a:t>
-            </a:r>
-            <a:r>
-              <a:rPr lang="zh-CN" altLang="en-US" dirty="0" smtClean="0">
-                <a:latin typeface="Courier New" panose="02070309020205020404" pitchFamily="49" charset="0"/>
-              </a:rPr>
-              <a:t>进行检查、检索、替换。</a:t>
-            </a:r>
-            <a:endParaRPr lang="en-US" altLang="zh-CN" dirty="0" smtClean="0">
+              <a:t>可用于对文本进行检查、检索、替换。</a:t>
+            </a:r>
+            <a:endParaRPr lang="en-US" altLang="zh-CN" dirty="0">
               <a:latin typeface="Courier New" panose="02070309020205020404" pitchFamily="49" charset="0"/>
             </a:endParaRPr>
           </a:p>
           <a:p>
             <a:pPr lvl="1"/>
             <a:r>
-              <a:rPr lang="zh-CN" altLang="en-US" dirty="0" smtClean="0">
+              <a:rPr lang="zh-CN" altLang="en-US" dirty="0">
                 <a:latin typeface="Courier New" panose="02070309020205020404" pitchFamily="49" charset="0"/>
               </a:rPr>
               <a:t>例如：</a:t>
             </a:r>
             <a:r>
-              <a:rPr lang="en-US" altLang="zh-CN" dirty="0" smtClean="0">
+              <a:rPr lang="en-US" altLang="zh-CN" dirty="0">
                 <a:latin typeface="Courier New" panose="02070309020205020404" pitchFamily="49" charset="0"/>
               </a:rPr>
               <a:t>\w+@\w+(?:\.\w+){1,3} </a:t>
@@ -7959,10 +8035,9 @@
           <a:lstStyle/>
           <a:p>
             <a:r>
-              <a:rPr lang="zh-CN" altLang="en-US" dirty="0" smtClean="0"/>
+              <a:rPr lang="zh-CN" altLang="en-US" dirty="0"/>
               <a:t>关于正则表达式</a:t>
             </a:r>
-            <a:endParaRPr lang="zh-CN" altLang="en-US" dirty="0"/>
           </a:p>
         </p:txBody>
       </p:sp>
@@ -7982,7 +8057,7 @@
           <a:lstStyle/>
           <a:p>
             <a:r>
-              <a:rPr lang="zh-CN" altLang="en-US" dirty="0" smtClean="0"/>
+              <a:rPr lang="zh-CN" altLang="en-US" dirty="0"/>
               <a:t>元字符</a:t>
             </a:r>
             <a:r>
@@ -7990,16 +8065,8 @@
               <a:t>——</a:t>
             </a:r>
             <a:r>
-              <a:rPr lang="zh-CN" altLang="en-US" dirty="0" smtClean="0"/>
-              <a:t>表示</a:t>
-            </a:r>
-            <a:r>
               <a:rPr lang="zh-CN" altLang="en-US" dirty="0"/>
-              <a:t>特定类型的字符，如：</a:t>
-            </a:r>
-            <a:r>
-              <a:rPr lang="en-US" altLang="zh-CN" dirty="0"/>
-              <a:t/>
+              <a:t>表示特定类型的字符，如：</a:t>
             </a:r>
             <a:br>
               <a:rPr lang="en-US" altLang="zh-CN" dirty="0"/>
@@ -8009,16 +8076,8 @@
               <a:t>.	</a:t>
             </a:r>
             <a:r>
-              <a:rPr lang="zh-CN" altLang="en-US" dirty="0" smtClean="0"/>
-              <a:t>表示</a:t>
-            </a:r>
-            <a:r>
               <a:rPr lang="zh-CN" altLang="en-US" dirty="0"/>
-              <a:t>除换行符之外的任意一个字符</a:t>
-            </a:r>
-            <a:r>
-              <a:rPr lang="en-US" altLang="zh-CN" dirty="0"/>
-              <a:t/>
+              <a:t>表示除换行符之外的任意一个字符</a:t>
             </a:r>
             <a:br>
               <a:rPr lang="en-US" altLang="zh-CN" dirty="0"/>
@@ -8031,10 +8090,6 @@
               <a:rPr lang="zh-CN" altLang="en-US" dirty="0"/>
               <a:t>表示单词分界</a:t>
             </a:r>
-            <a:r>
-              <a:rPr lang="en-US" altLang="zh-CN" dirty="0"/>
-              <a:t/>
-            </a:r>
             <a:br>
               <a:rPr lang="en-US" altLang="zh-CN" dirty="0"/>
             </a:br>
@@ -8061,10 +8116,6 @@
               <a:rPr lang="zh-CN" altLang="en-US" dirty="0"/>
               <a:t>表示任意一个文字、数字、下划线</a:t>
             </a:r>
-            <a:r>
-              <a:rPr lang="en-US" altLang="zh-CN" dirty="0"/>
-              <a:t/>
-            </a:r>
             <a:br>
               <a:rPr lang="en-US" altLang="zh-CN" dirty="0"/>
             </a:br>
@@ -8076,10 +8127,6 @@
               <a:rPr lang="zh-CN" altLang="en-US" dirty="0"/>
               <a:t>表示任意一个空白符（空格、制表符、换行符）</a:t>
             </a:r>
-            <a:r>
-              <a:rPr lang="en-US" altLang="zh-CN" dirty="0"/>
-              <a:t/>
-            </a:r>
             <a:br>
               <a:rPr lang="en-US" altLang="zh-CN" dirty="0"/>
             </a:br>
@@ -8088,16 +8135,8 @@
               <a:t>^	</a:t>
             </a:r>
             <a:r>
-              <a:rPr lang="zh-CN" altLang="en-US" dirty="0" smtClean="0"/>
-              <a:t>表示</a:t>
-            </a:r>
-            <a:r>
               <a:rPr lang="zh-CN" altLang="en-US" dirty="0"/>
-              <a:t>字符串开始</a:t>
-            </a:r>
-            <a:r>
-              <a:rPr lang="en-US" altLang="zh-CN" dirty="0"/>
-              <a:t/>
+              <a:t>表示字符串开始</a:t>
             </a:r>
             <a:br>
               <a:rPr lang="en-US" altLang="zh-CN" dirty="0"/>
@@ -8107,18 +8146,10 @@
               <a:t>$	</a:t>
             </a:r>
             <a:r>
-              <a:rPr lang="zh-CN" altLang="en-US" dirty="0" smtClean="0"/>
-              <a:t>表示</a:t>
-            </a:r>
-            <a:r>
               <a:rPr lang="zh-CN" altLang="en-US" dirty="0"/>
-              <a:t>字符串</a:t>
-            </a:r>
-            <a:r>
-              <a:rPr lang="zh-CN" altLang="en-US" dirty="0" smtClean="0"/>
-              <a:t>结束</a:t>
-            </a:r>
-            <a:endParaRPr lang="en-US" altLang="zh-CN" dirty="0" smtClean="0"/>
+              <a:t>表示字符串结束</a:t>
+            </a:r>
+            <a:endParaRPr lang="en-US" altLang="zh-CN" dirty="0"/>
           </a:p>
           <a:p>
             <a:endParaRPr lang="en-US" altLang="zh-CN" dirty="0"/>
@@ -9635,7 +9666,7 @@
                     <a:p>
                       <a:pPr algn="l"/>
                       <a:r>
-                        <a:rPr lang="en-US" altLang="zh-CN" sz="900" dirty="0" smtClean="0">
+                        <a:rPr lang="en-US" altLang="zh-CN" sz="900" dirty="0">
                           <a:solidFill>
                             <a:srgbClr val="333333"/>
                           </a:solidFill>
@@ -9645,14 +9676,6 @@
                         </a:rPr>
                         <a:t>?</a:t>
                       </a:r>
-                      <a:endParaRPr lang="en-US" altLang="zh-CN" sz="900" dirty="0">
-                        <a:solidFill>
-                          <a:srgbClr val="333333"/>
-                        </a:solidFill>
-                        <a:effectLst/>
-                        <a:latin typeface="微软雅黑 Light" panose="020B0502040204020203" pitchFamily="34" charset="-122"/>
-                        <a:ea typeface="微软雅黑 Light" panose="020B0502040204020203" pitchFamily="34" charset="-122"/>
-                      </a:endParaRPr>
                     </a:p>
                   </a:txBody>
                   <a:tcPr marL="9449" marR="9449" marT="1890" marB="1890" anchor="ctr">
@@ -16392,10 +16415,9 @@
           <a:lstStyle/>
           <a:p>
             <a:r>
-              <a:rPr lang="zh-CN" altLang="en-US" dirty="0" smtClean="0"/>
+              <a:rPr lang="zh-CN" altLang="en-US" dirty="0"/>
               <a:t>关于正则表达式</a:t>
             </a:r>
-            <a:endParaRPr lang="zh-CN" altLang="en-US" dirty="0"/>
           </a:p>
         </p:txBody>
       </p:sp>
@@ -16417,68 +16439,48 @@
           <a:lstStyle/>
           <a:p>
             <a:r>
-              <a:rPr lang="zh-CN" altLang="en-US" dirty="0" smtClean="0"/>
+              <a:rPr lang="zh-CN" altLang="en-US" dirty="0"/>
               <a:t>正则表达式示例：</a:t>
             </a:r>
-            <a:endParaRPr lang="en-US" altLang="zh-CN" dirty="0" smtClean="0"/>
+            <a:endParaRPr lang="en-US" altLang="zh-CN" dirty="0"/>
           </a:p>
           <a:p>
             <a:pPr lvl="1"/>
             <a:r>
-              <a:rPr lang="zh-CN" altLang="en-US" dirty="0" smtClean="0"/>
+              <a:rPr lang="zh-CN" altLang="en-US" dirty="0"/>
               <a:t>身份证号：</a:t>
             </a:r>
-            <a:r>
-              <a:rPr lang="en-US" altLang="zh-CN" dirty="0" smtClean="0"/>
-              <a:t/>
-            </a:r>
             <a:br>
-              <a:rPr lang="en-US" altLang="zh-CN" dirty="0" smtClean="0"/>
+              <a:rPr lang="en-US" altLang="zh-CN" dirty="0"/>
             </a:br>
             <a:r>
-              <a:rPr lang="en-US" altLang="zh-CN" dirty="0" smtClean="0"/>
+              <a:rPr lang="en-US" altLang="zh-CN" dirty="0"/>
               <a:t>^\d{17}[0-9A-Z]$</a:t>
             </a:r>
             <a:br>
-              <a:rPr lang="en-US" altLang="zh-CN" dirty="0" smtClean="0"/>
+              <a:rPr lang="en-US" altLang="zh-CN" dirty="0"/>
             </a:br>
             <a:r>
-              <a:rPr lang="en-US" altLang="zh-CN" dirty="0" smtClean="0"/>
+              <a:rPr lang="en-US" altLang="zh-CN" dirty="0"/>
               <a:t>^(\d{6})(\d{4})(\d\d)(\d\d)(\d{3})([0-9A-Z])$</a:t>
             </a:r>
           </a:p>
           <a:p>
             <a:pPr lvl="1"/>
             <a:r>
-              <a:rPr lang="en-US" altLang="zh-CN" dirty="0" smtClean="0"/>
+              <a:rPr lang="en-US" altLang="zh-CN" dirty="0"/>
               <a:t>IP</a:t>
             </a:r>
             <a:r>
-              <a:rPr lang="zh-CN" altLang="en-US" dirty="0" smtClean="0"/>
+              <a:rPr lang="zh-CN" altLang="en-US" dirty="0"/>
               <a:t>地址：</a:t>
             </a:r>
-            <a:r>
-              <a:rPr lang="en-US" altLang="zh-CN" dirty="0" smtClean="0"/>
-              <a:t/>
-            </a:r>
             <a:br>
-              <a:rPr lang="en-US" altLang="zh-CN" dirty="0" smtClean="0"/>
+              <a:rPr lang="en-US" altLang="zh-CN" dirty="0"/>
             </a:br>
             <a:r>
-              <a:rPr lang="en-US" altLang="zh-CN" dirty="0" smtClean="0"/>
-              <a:t>^(\</a:t>
-            </a:r>
-            <a:r>
               <a:rPr lang="en-US" altLang="zh-CN" dirty="0"/>
-              <a:t>d{1,3})\.(\d{1,3})\.(\d{1,3</a:t>
-            </a:r>
-            <a:r>
-              <a:rPr lang="en-US" altLang="zh-CN" dirty="0" smtClean="0"/>
-              <a:t>})$</a:t>
-            </a:r>
-            <a:r>
-              <a:rPr lang="en-US" altLang="zh-CN" dirty="0"/>
-              <a:t/>
+              <a:t>^(\d{1,3})\.(\d{1,3})\.(\d{1,3})$</a:t>
             </a:r>
             <a:br>
               <a:rPr lang="en-US" altLang="zh-CN" dirty="0"/>
@@ -16537,18 +16539,17 @@
           <a:lstStyle/>
           <a:p>
             <a:r>
-              <a:rPr lang="en-US" altLang="zh-CN" dirty="0" err="1" smtClean="0"/>
-              <a:t>.Net</a:t>
-            </a:r>
-            <a:r>
-              <a:rPr lang="en-US" altLang="zh-CN" dirty="0" smtClean="0"/>
-              <a:t> </a:t>
-            </a:r>
-            <a:r>
-              <a:rPr lang="zh-CN" altLang="en-US" dirty="0" smtClean="0"/>
-              <a:t>中的正则表达式应用</a:t>
-            </a:r>
-            <a:endParaRPr lang="zh-CN" altLang="en-US" dirty="0"/>
+              <a:rPr lang="zh-CN" altLang="en-US" dirty="0"/>
+              <a:t>练习</a:t>
+            </a:r>
+            <a:r>
+              <a:rPr lang="en-US" altLang="zh-CN" dirty="0"/>
+              <a:t>01</a:t>
+            </a:r>
+            <a:r>
+              <a:rPr lang="zh-CN" altLang="en-US" dirty="0"/>
+              <a:t>：体验正则表达式</a:t>
+            </a:r>
           </a:p>
         </p:txBody>
       </p:sp>
@@ -16568,41 +16569,32 @@
           <a:lstStyle/>
           <a:p>
             <a:r>
-              <a:rPr lang="zh-CN" altLang="en-US" dirty="0" smtClean="0"/>
-              <a:t>正则表达式引擎</a:t>
-            </a:r>
-            <a:endParaRPr lang="en-US" altLang="zh-CN" dirty="0" smtClean="0"/>
-          </a:p>
-          <a:p>
-            <a:pPr lvl="1"/>
-            <a:r>
-              <a:rPr lang="en-US" altLang="zh-CN" dirty="0" err="1" smtClean="0"/>
-              <a:t>System.Text.RegulaExpression</a:t>
-            </a:r>
-            <a:r>
-              <a:rPr lang="zh-CN" altLang="en-US" dirty="0" smtClean="0"/>
-              <a:t>命名空间</a:t>
-            </a:r>
-            <a:endParaRPr lang="en-US" altLang="zh-CN" dirty="0" smtClean="0"/>
-          </a:p>
-          <a:p>
-            <a:pPr lvl="1"/>
-            <a:r>
-              <a:rPr lang="en-US" altLang="zh-CN" dirty="0" smtClean="0"/>
-              <a:t>Regex</a:t>
-            </a:r>
-            <a:r>
-              <a:rPr lang="zh-CN" altLang="en-US" dirty="0" smtClean="0"/>
-              <a:t>类</a:t>
-            </a:r>
-            <a:endParaRPr lang="zh-CN" altLang="en-US" dirty="0"/>
+              <a:rPr lang="zh-CN" altLang="en-US" dirty="0"/>
+              <a:t>在任意一个支持正则表达式的文本编辑器中，尝试用正则表达式进行文本检索和替换。</a:t>
+            </a:r>
+            <a:br>
+              <a:rPr lang="en-US" altLang="zh-CN" dirty="0"/>
+            </a:br>
+            <a:r>
+              <a:rPr lang="zh-CN" altLang="en-US" dirty="0"/>
+              <a:t>如：在一篇文章中，找出是否包含</a:t>
+            </a:r>
+            <a:r>
+              <a:rPr lang="en-US" altLang="zh-CN" dirty="0"/>
+              <a:t>IP</a:t>
+            </a:r>
+            <a:r>
+              <a:rPr lang="zh-CN" altLang="en-US" dirty="0"/>
+              <a:t>地址。</a:t>
+            </a:r>
+            <a:endParaRPr lang="en-US" altLang="zh-CN" dirty="0"/>
           </a:p>
         </p:txBody>
       </p:sp>
     </p:spTree>
     <p:extLst>
       <p:ext uri="{BB962C8B-B14F-4D97-AF65-F5344CB8AC3E}">
-        <p14:creationId xmlns:p14="http://schemas.microsoft.com/office/powerpoint/2010/main" val="4274831881"/>
+        <p14:creationId xmlns:p14="http://schemas.microsoft.com/office/powerpoint/2010/main" val="4003109790"/>
       </p:ext>
     </p:extLst>
   </p:cSld>
@@ -16645,18 +16637,17 @@
           <a:lstStyle/>
           <a:p>
             <a:r>
-              <a:rPr lang="zh-CN" altLang="en-US" dirty="0" smtClean="0"/>
-              <a:t>练习</a:t>
-            </a:r>
-            <a:r>
-              <a:rPr lang="en-US" altLang="zh-CN" dirty="0" smtClean="0"/>
-              <a:t>01</a:t>
-            </a:r>
-            <a:r>
-              <a:rPr lang="zh-CN" altLang="en-US" dirty="0" smtClean="0"/>
-              <a:t>：体验正则表达式</a:t>
-            </a:r>
-            <a:endParaRPr lang="zh-CN" altLang="en-US" dirty="0"/>
+              <a:rPr lang="en-US" altLang="zh-CN" dirty="0" err="1"/>
+              <a:t>.Net</a:t>
+            </a:r>
+            <a:r>
+              <a:rPr lang="en-US" altLang="zh-CN" dirty="0"/>
+              <a:t> </a:t>
+            </a:r>
+            <a:r>
+              <a:rPr lang="zh-CN" altLang="en-US" dirty="0"/>
+              <a:t>中的正则表达式应用</a:t>
+            </a:r>
           </a:p>
         </p:txBody>
       </p:sp>
@@ -16676,36 +16667,40 @@
           <a:lstStyle/>
           <a:p>
             <a:r>
-              <a:rPr lang="zh-CN" altLang="en-US" dirty="0" smtClean="0"/>
-              <a:t>在任意一个支持正则表达式的文本编辑器中，尝试用正则表达式进行文本检索和替换。</a:t>
-            </a:r>
-            <a:r>
-              <a:rPr lang="en-US" altLang="zh-CN" dirty="0" smtClean="0"/>
-              <a:t/>
-            </a:r>
-            <a:br>
-              <a:rPr lang="en-US" altLang="zh-CN" dirty="0" smtClean="0"/>
-            </a:br>
-            <a:r>
-              <a:rPr lang="zh-CN" altLang="en-US" dirty="0" smtClean="0"/>
-              <a:t>如：在一篇文章中，找出是否包含</a:t>
-            </a:r>
-            <a:r>
-              <a:rPr lang="en-US" altLang="zh-CN" dirty="0" smtClean="0"/>
-              <a:t>IP</a:t>
-            </a:r>
-            <a:r>
-              <a:rPr lang="zh-CN" altLang="en-US" dirty="0" smtClean="0"/>
-              <a:t>地址。</a:t>
-            </a:r>
-            <a:endParaRPr lang="en-US" altLang="zh-CN" dirty="0" smtClean="0"/>
+              <a:rPr lang="zh-CN" altLang="en-US" dirty="0"/>
+              <a:t>正则表达式引擎</a:t>
+            </a:r>
+            <a:endParaRPr lang="en-US" altLang="zh-CN" dirty="0"/>
+          </a:p>
+          <a:p>
+            <a:pPr lvl="1"/>
+            <a:r>
+              <a:rPr lang="en-US" altLang="zh-CN" dirty="0" err="1"/>
+              <a:t>System.Text.RegulaExpression</a:t>
+            </a:r>
+            <a:r>
+              <a:rPr lang="zh-CN" altLang="en-US" dirty="0"/>
+              <a:t>命名空间</a:t>
+            </a:r>
+            <a:endParaRPr lang="en-US" altLang="zh-CN" dirty="0"/>
+          </a:p>
+          <a:p>
+            <a:pPr lvl="1"/>
+            <a:r>
+              <a:rPr lang="en-US" altLang="zh-CN" dirty="0"/>
+              <a:t>Regex</a:t>
+            </a:r>
+            <a:r>
+              <a:rPr lang="zh-CN" altLang="en-US" dirty="0"/>
+              <a:t>类</a:t>
+            </a:r>
           </a:p>
         </p:txBody>
       </p:sp>
     </p:spTree>
     <p:extLst>
       <p:ext uri="{BB962C8B-B14F-4D97-AF65-F5344CB8AC3E}">
-        <p14:creationId xmlns:p14="http://schemas.microsoft.com/office/powerpoint/2010/main" val="4003109790"/>
+        <p14:creationId xmlns:p14="http://schemas.microsoft.com/office/powerpoint/2010/main" val="4274831881"/>
       </p:ext>
     </p:extLst>
   </p:cSld>
@@ -16734,73 +16729,2341 @@
       </p:grpSpPr>
       <p:sp>
         <p:nvSpPr>
-          <p:cNvPr id="2" name="标题 1"/>
-          <p:cNvSpPr>
-            <a:spLocks noGrp="1"/>
-          </p:cNvSpPr>
-          <p:nvPr>
-            <p:ph type="title"/>
-          </p:nvPr>
+          <p:cNvPr id="3" name="矩形 2">
+            <a:extLst>
+              <a:ext uri="{FF2B5EF4-FFF2-40B4-BE49-F238E27FC236}">
+                <a16:creationId xmlns:a16="http://schemas.microsoft.com/office/drawing/2014/main" id="{64F00397-E5EA-456E-A17F-4345837B3B08}"/>
+              </a:ext>
+            </a:extLst>
+          </p:cNvPr>
+          <p:cNvSpPr/>
+          <p:nvPr/>
         </p:nvSpPr>
-        <p:spPr/>
+        <p:spPr>
+          <a:xfrm>
+            <a:off x="47625" y="581025"/>
+            <a:ext cx="9048750" cy="5909310"/>
+          </a:xfrm>
+          <a:prstGeom prst="rect">
+            <a:avLst/>
+          </a:prstGeom>
+          <a:effectLst>
+            <a:outerShdw blurRad="50800" dist="38100" dir="2700000" algn="tl" rotWithShape="0">
+              <a:prstClr val="black">
+                <a:alpha val="40000"/>
+              </a:prstClr>
+            </a:outerShdw>
+          </a:effectLst>
+        </p:spPr>
+        <p:style>
+          <a:lnRef idx="2">
+            <a:schemeClr val="dk1"/>
+          </a:lnRef>
+          <a:fillRef idx="1">
+            <a:schemeClr val="lt1"/>
+          </a:fillRef>
+          <a:effectRef idx="0">
+            <a:schemeClr val="dk1"/>
+          </a:effectRef>
+          <a:fontRef idx="minor">
+            <a:schemeClr val="dk1"/>
+          </a:fontRef>
+        </p:style>
         <p:txBody>
-          <a:bodyPr/>
+          <a:bodyPr wrap="square" numCol="2">
+            <a:spAutoFit/>
+          </a:bodyPr>
           <a:lstStyle/>
           <a:p>
             <a:r>
-              <a:rPr lang="zh-CN" altLang="en-US" dirty="0" smtClean="0"/>
-              <a:t>练习</a:t>
-            </a:r>
-            <a:r>
-              <a:rPr lang="en-US" altLang="zh-CN" dirty="0" smtClean="0"/>
-              <a:t>02</a:t>
-            </a:r>
-            <a:r>
-              <a:rPr lang="zh-CN" altLang="en-US" dirty="0" smtClean="0"/>
-              <a:t>：可筛选的文本查看器</a:t>
-            </a:r>
-            <a:endParaRPr lang="zh-CN" altLang="en-US" dirty="0"/>
-          </a:p>
-        </p:txBody>
-      </p:sp>
-      <p:sp>
-        <p:nvSpPr>
-          <p:cNvPr id="3" name="内容占位符 2"/>
-          <p:cNvSpPr>
-            <a:spLocks noGrp="1"/>
-          </p:cNvSpPr>
-          <p:nvPr>
-            <p:ph idx="1"/>
-          </p:nvPr>
-        </p:nvSpPr>
-        <p:spPr/>
-        <p:txBody>
-          <a:bodyPr/>
-          <a:lstStyle/>
-          <a:p>
-            <a:r>
-              <a:rPr lang="zh-CN" altLang="en-US" dirty="0"/>
-              <a:t>编写</a:t>
-            </a:r>
-            <a:r>
-              <a:rPr lang="zh-CN" altLang="en-US" dirty="0" smtClean="0"/>
-              <a:t>一个文本查看程序，可以打开一个文本文件，以行为单位显示在界面上。</a:t>
-            </a:r>
-            <a:endParaRPr lang="en-US" altLang="zh-CN" dirty="0" smtClean="0"/>
-          </a:p>
-          <a:p>
-            <a:r>
-              <a:rPr lang="zh-CN" altLang="en-US" dirty="0" smtClean="0"/>
-              <a:t>可以指定以正则表达式方式指定筛选条件，决定要查看的内容或要屏蔽的内容。</a:t>
-            </a:r>
-            <a:endParaRPr lang="zh-CN" altLang="en-US" dirty="0"/>
+              <a:rPr lang="en-US" altLang="zh-CN" sz="1050" dirty="0">
+                <a:solidFill>
+                  <a:srgbClr val="0000FF"/>
+                </a:solidFill>
+                <a:latin typeface="新宋体" panose="02010609030101010101" pitchFamily="49" charset="-122"/>
+                <a:ea typeface="新宋体" panose="02010609030101010101" pitchFamily="49" charset="-122"/>
+              </a:rPr>
+              <a:t>using</a:t>
+            </a:r>
+            <a:r>
+              <a:rPr lang="en-US" altLang="zh-CN" sz="1050" dirty="0">
+                <a:solidFill>
+                  <a:srgbClr val="000000"/>
+                </a:solidFill>
+                <a:latin typeface="新宋体" panose="02010609030101010101" pitchFamily="49" charset="-122"/>
+                <a:ea typeface="新宋体" panose="02010609030101010101" pitchFamily="49" charset="-122"/>
+              </a:rPr>
+              <a:t> System;</a:t>
+            </a:r>
+          </a:p>
+          <a:p>
+            <a:r>
+              <a:rPr lang="en-US" altLang="zh-CN" sz="1050" dirty="0">
+                <a:solidFill>
+                  <a:srgbClr val="0000FF"/>
+                </a:solidFill>
+                <a:latin typeface="新宋体" panose="02010609030101010101" pitchFamily="49" charset="-122"/>
+                <a:ea typeface="新宋体" panose="02010609030101010101" pitchFamily="49" charset="-122"/>
+              </a:rPr>
+              <a:t>using</a:t>
+            </a:r>
+            <a:r>
+              <a:rPr lang="en-US" altLang="zh-CN" sz="1050" dirty="0">
+                <a:solidFill>
+                  <a:srgbClr val="000000"/>
+                </a:solidFill>
+                <a:latin typeface="新宋体" panose="02010609030101010101" pitchFamily="49" charset="-122"/>
+                <a:ea typeface="新宋体" panose="02010609030101010101" pitchFamily="49" charset="-122"/>
+              </a:rPr>
+              <a:t> </a:t>
+            </a:r>
+            <a:r>
+              <a:rPr lang="en-US" altLang="zh-CN" sz="1050" dirty="0" err="1">
+                <a:solidFill>
+                  <a:srgbClr val="000000"/>
+                </a:solidFill>
+                <a:latin typeface="新宋体" panose="02010609030101010101" pitchFamily="49" charset="-122"/>
+                <a:ea typeface="新宋体" panose="02010609030101010101" pitchFamily="49" charset="-122"/>
+              </a:rPr>
+              <a:t>System.Text.RegularExpressions</a:t>
+            </a:r>
+            <a:r>
+              <a:rPr lang="en-US" altLang="zh-CN" sz="1050" dirty="0">
+                <a:solidFill>
+                  <a:srgbClr val="000000"/>
+                </a:solidFill>
+                <a:latin typeface="新宋体" panose="02010609030101010101" pitchFamily="49" charset="-122"/>
+                <a:ea typeface="新宋体" panose="02010609030101010101" pitchFamily="49" charset="-122"/>
+              </a:rPr>
+              <a:t>;</a:t>
+            </a:r>
+          </a:p>
+          <a:p>
+            <a:endParaRPr lang="zh-CN" altLang="en-US" sz="1050" dirty="0">
+              <a:solidFill>
+                <a:srgbClr val="000000"/>
+              </a:solidFill>
+              <a:latin typeface="新宋体" panose="02010609030101010101" pitchFamily="49" charset="-122"/>
+              <a:ea typeface="新宋体" panose="02010609030101010101" pitchFamily="49" charset="-122"/>
+            </a:endParaRPr>
+          </a:p>
+          <a:p>
+            <a:r>
+              <a:rPr lang="en-US" altLang="zh-CN" sz="1050" dirty="0">
+                <a:solidFill>
+                  <a:srgbClr val="0000FF"/>
+                </a:solidFill>
+                <a:latin typeface="新宋体" panose="02010609030101010101" pitchFamily="49" charset="-122"/>
+                <a:ea typeface="新宋体" panose="02010609030101010101" pitchFamily="49" charset="-122"/>
+              </a:rPr>
+              <a:t>namespace</a:t>
+            </a:r>
+            <a:r>
+              <a:rPr lang="en-US" altLang="zh-CN" sz="1050" dirty="0">
+                <a:solidFill>
+                  <a:srgbClr val="000000"/>
+                </a:solidFill>
+                <a:latin typeface="新宋体" panose="02010609030101010101" pitchFamily="49" charset="-122"/>
+                <a:ea typeface="新宋体" panose="02010609030101010101" pitchFamily="49" charset="-122"/>
+              </a:rPr>
+              <a:t> RegexLesson01</a:t>
+            </a:r>
+          </a:p>
+          <a:p>
+            <a:r>
+              <a:rPr lang="en-US" altLang="zh-CN" sz="1050" dirty="0">
+                <a:solidFill>
+                  <a:srgbClr val="000000"/>
+                </a:solidFill>
+                <a:latin typeface="新宋体" panose="02010609030101010101" pitchFamily="49" charset="-122"/>
+                <a:ea typeface="新宋体" panose="02010609030101010101" pitchFamily="49" charset="-122"/>
+              </a:rPr>
+              <a:t>{</a:t>
+            </a:r>
+          </a:p>
+          <a:p>
+            <a:r>
+              <a:rPr lang="en-US" altLang="zh-CN" sz="1050" dirty="0">
+                <a:solidFill>
+                  <a:srgbClr val="000000"/>
+                </a:solidFill>
+                <a:latin typeface="新宋体" panose="02010609030101010101" pitchFamily="49" charset="-122"/>
+                <a:ea typeface="新宋体" panose="02010609030101010101" pitchFamily="49" charset="-122"/>
+              </a:rPr>
+              <a:t>    </a:t>
+            </a:r>
+            <a:r>
+              <a:rPr lang="en-US" altLang="zh-CN" sz="1050" dirty="0">
+                <a:solidFill>
+                  <a:srgbClr val="0000FF"/>
+                </a:solidFill>
+                <a:latin typeface="新宋体" panose="02010609030101010101" pitchFamily="49" charset="-122"/>
+                <a:ea typeface="新宋体" panose="02010609030101010101" pitchFamily="49" charset="-122"/>
+              </a:rPr>
+              <a:t>class</a:t>
+            </a:r>
+            <a:r>
+              <a:rPr lang="en-US" altLang="zh-CN" sz="1050" dirty="0">
+                <a:solidFill>
+                  <a:srgbClr val="000000"/>
+                </a:solidFill>
+                <a:latin typeface="新宋体" panose="02010609030101010101" pitchFamily="49" charset="-122"/>
+                <a:ea typeface="新宋体" panose="02010609030101010101" pitchFamily="49" charset="-122"/>
+              </a:rPr>
+              <a:t> </a:t>
+            </a:r>
+            <a:r>
+              <a:rPr lang="en-US" altLang="zh-CN" sz="1050" dirty="0">
+                <a:solidFill>
+                  <a:srgbClr val="2B91AF"/>
+                </a:solidFill>
+                <a:latin typeface="新宋体" panose="02010609030101010101" pitchFamily="49" charset="-122"/>
+                <a:ea typeface="新宋体" panose="02010609030101010101" pitchFamily="49" charset="-122"/>
+              </a:rPr>
+              <a:t>Program</a:t>
+            </a:r>
+            <a:endParaRPr lang="en-US" altLang="zh-CN" sz="1050" dirty="0">
+              <a:solidFill>
+                <a:srgbClr val="000000"/>
+              </a:solidFill>
+              <a:latin typeface="新宋体" panose="02010609030101010101" pitchFamily="49" charset="-122"/>
+              <a:ea typeface="新宋体" panose="02010609030101010101" pitchFamily="49" charset="-122"/>
+            </a:endParaRPr>
+          </a:p>
+          <a:p>
+            <a:r>
+              <a:rPr lang="zh-CN" altLang="en-US" sz="1050" dirty="0">
+                <a:solidFill>
+                  <a:srgbClr val="000000"/>
+                </a:solidFill>
+                <a:latin typeface="新宋体" panose="02010609030101010101" pitchFamily="49" charset="-122"/>
+                <a:ea typeface="新宋体" panose="02010609030101010101" pitchFamily="49" charset="-122"/>
+              </a:rPr>
+              <a:t>    </a:t>
+            </a:r>
+            <a:r>
+              <a:rPr lang="en-US" altLang="zh-CN" sz="1050" dirty="0">
+                <a:solidFill>
+                  <a:srgbClr val="000000"/>
+                </a:solidFill>
+                <a:latin typeface="新宋体" panose="02010609030101010101" pitchFamily="49" charset="-122"/>
+                <a:ea typeface="新宋体" panose="02010609030101010101" pitchFamily="49" charset="-122"/>
+              </a:rPr>
+              <a:t>{</a:t>
+            </a:r>
+          </a:p>
+          <a:p>
+            <a:r>
+              <a:rPr lang="en-US" altLang="zh-CN" sz="1050" dirty="0">
+                <a:solidFill>
+                  <a:srgbClr val="000000"/>
+                </a:solidFill>
+                <a:latin typeface="新宋体" panose="02010609030101010101" pitchFamily="49" charset="-122"/>
+                <a:ea typeface="新宋体" panose="02010609030101010101" pitchFamily="49" charset="-122"/>
+              </a:rPr>
+              <a:t>        </a:t>
+            </a:r>
+            <a:r>
+              <a:rPr lang="en-US" altLang="zh-CN" sz="1050" dirty="0">
+                <a:solidFill>
+                  <a:srgbClr val="0000FF"/>
+                </a:solidFill>
+                <a:latin typeface="新宋体" panose="02010609030101010101" pitchFamily="49" charset="-122"/>
+                <a:ea typeface="新宋体" panose="02010609030101010101" pitchFamily="49" charset="-122"/>
+              </a:rPr>
+              <a:t>static</a:t>
+            </a:r>
+            <a:r>
+              <a:rPr lang="en-US" altLang="zh-CN" sz="1050" dirty="0">
+                <a:solidFill>
+                  <a:srgbClr val="000000"/>
+                </a:solidFill>
+                <a:latin typeface="新宋体" panose="02010609030101010101" pitchFamily="49" charset="-122"/>
+                <a:ea typeface="新宋体" panose="02010609030101010101" pitchFamily="49" charset="-122"/>
+              </a:rPr>
+              <a:t> </a:t>
+            </a:r>
+            <a:r>
+              <a:rPr lang="en-US" altLang="zh-CN" sz="1050" dirty="0">
+                <a:solidFill>
+                  <a:srgbClr val="0000FF"/>
+                </a:solidFill>
+                <a:latin typeface="新宋体" panose="02010609030101010101" pitchFamily="49" charset="-122"/>
+                <a:ea typeface="新宋体" panose="02010609030101010101" pitchFamily="49" charset="-122"/>
+              </a:rPr>
+              <a:t>void</a:t>
+            </a:r>
+            <a:r>
+              <a:rPr lang="en-US" altLang="zh-CN" sz="1050" dirty="0">
+                <a:solidFill>
+                  <a:srgbClr val="000000"/>
+                </a:solidFill>
+                <a:latin typeface="新宋体" panose="02010609030101010101" pitchFamily="49" charset="-122"/>
+                <a:ea typeface="新宋体" panose="02010609030101010101" pitchFamily="49" charset="-122"/>
+              </a:rPr>
+              <a:t> Main(</a:t>
+            </a:r>
+            <a:r>
+              <a:rPr lang="en-US" altLang="zh-CN" sz="1050" dirty="0">
+                <a:solidFill>
+                  <a:srgbClr val="0000FF"/>
+                </a:solidFill>
+                <a:latin typeface="新宋体" panose="02010609030101010101" pitchFamily="49" charset="-122"/>
+                <a:ea typeface="新宋体" panose="02010609030101010101" pitchFamily="49" charset="-122"/>
+              </a:rPr>
+              <a:t>string</a:t>
+            </a:r>
+            <a:r>
+              <a:rPr lang="en-US" altLang="zh-CN" sz="1050" dirty="0">
+                <a:solidFill>
+                  <a:srgbClr val="000000"/>
+                </a:solidFill>
+                <a:latin typeface="新宋体" panose="02010609030101010101" pitchFamily="49" charset="-122"/>
+                <a:ea typeface="新宋体" panose="02010609030101010101" pitchFamily="49" charset="-122"/>
+              </a:rPr>
+              <a:t>[] </a:t>
+            </a:r>
+            <a:r>
+              <a:rPr lang="en-US" altLang="zh-CN" sz="1050" dirty="0" err="1">
+                <a:solidFill>
+                  <a:srgbClr val="000000"/>
+                </a:solidFill>
+                <a:latin typeface="新宋体" panose="02010609030101010101" pitchFamily="49" charset="-122"/>
+                <a:ea typeface="新宋体" panose="02010609030101010101" pitchFamily="49" charset="-122"/>
+              </a:rPr>
+              <a:t>args</a:t>
+            </a:r>
+            <a:r>
+              <a:rPr lang="en-US" altLang="zh-CN" sz="1050" dirty="0">
+                <a:solidFill>
+                  <a:srgbClr val="000000"/>
+                </a:solidFill>
+                <a:latin typeface="新宋体" panose="02010609030101010101" pitchFamily="49" charset="-122"/>
+                <a:ea typeface="新宋体" panose="02010609030101010101" pitchFamily="49" charset="-122"/>
+              </a:rPr>
+              <a:t>)</a:t>
+            </a:r>
+          </a:p>
+          <a:p>
+            <a:r>
+              <a:rPr lang="zh-CN" altLang="en-US" sz="1050" dirty="0">
+                <a:solidFill>
+                  <a:srgbClr val="000000"/>
+                </a:solidFill>
+                <a:latin typeface="新宋体" panose="02010609030101010101" pitchFamily="49" charset="-122"/>
+                <a:ea typeface="新宋体" panose="02010609030101010101" pitchFamily="49" charset="-122"/>
+              </a:rPr>
+              <a:t>        </a:t>
+            </a:r>
+            <a:r>
+              <a:rPr lang="en-US" altLang="zh-CN" sz="1050" dirty="0">
+                <a:solidFill>
+                  <a:srgbClr val="000000"/>
+                </a:solidFill>
+                <a:latin typeface="新宋体" panose="02010609030101010101" pitchFamily="49" charset="-122"/>
+                <a:ea typeface="新宋体" panose="02010609030101010101" pitchFamily="49" charset="-122"/>
+              </a:rPr>
+              <a:t>{</a:t>
+            </a:r>
+          </a:p>
+          <a:p>
+            <a:r>
+              <a:rPr lang="en-US" altLang="zh-CN" sz="1050" dirty="0">
+                <a:solidFill>
+                  <a:srgbClr val="000000"/>
+                </a:solidFill>
+                <a:latin typeface="新宋体" panose="02010609030101010101" pitchFamily="49" charset="-122"/>
+                <a:ea typeface="新宋体" panose="02010609030101010101" pitchFamily="49" charset="-122"/>
+              </a:rPr>
+              <a:t>            </a:t>
+            </a:r>
+            <a:r>
+              <a:rPr lang="en-US" altLang="zh-CN" sz="1050" dirty="0" err="1">
+                <a:solidFill>
+                  <a:srgbClr val="000000"/>
+                </a:solidFill>
+                <a:latin typeface="新宋体" panose="02010609030101010101" pitchFamily="49" charset="-122"/>
+                <a:ea typeface="新宋体" panose="02010609030101010101" pitchFamily="49" charset="-122"/>
+              </a:rPr>
+              <a:t>Console.Write</a:t>
+            </a:r>
+            <a:r>
+              <a:rPr lang="en-US" altLang="zh-CN" sz="1050" dirty="0">
+                <a:solidFill>
+                  <a:srgbClr val="000000"/>
+                </a:solidFill>
+                <a:latin typeface="新宋体" panose="02010609030101010101" pitchFamily="49" charset="-122"/>
+                <a:ea typeface="新宋体" panose="02010609030101010101" pitchFamily="49" charset="-122"/>
+              </a:rPr>
+              <a:t>(</a:t>
+            </a:r>
+            <a:r>
+              <a:rPr lang="en-US" altLang="zh-CN" sz="1050" dirty="0">
+                <a:solidFill>
+                  <a:srgbClr val="A31515"/>
+                </a:solidFill>
+                <a:latin typeface="新宋体" panose="02010609030101010101" pitchFamily="49" charset="-122"/>
+                <a:ea typeface="新宋体" panose="02010609030101010101" pitchFamily="49" charset="-122"/>
+              </a:rPr>
+              <a:t>"</a:t>
+            </a:r>
+            <a:r>
+              <a:rPr lang="zh-CN" altLang="en-US" sz="1050" dirty="0">
+                <a:solidFill>
+                  <a:srgbClr val="A31515"/>
+                </a:solidFill>
+                <a:latin typeface="新宋体" panose="02010609030101010101" pitchFamily="49" charset="-122"/>
+                <a:ea typeface="新宋体" panose="02010609030101010101" pitchFamily="49" charset="-122"/>
+              </a:rPr>
+              <a:t>请输入测试文本：</a:t>
+            </a:r>
+            <a:r>
+              <a:rPr lang="en-US" altLang="zh-CN" sz="1050" dirty="0">
+                <a:solidFill>
+                  <a:srgbClr val="A31515"/>
+                </a:solidFill>
+                <a:latin typeface="新宋体" panose="02010609030101010101" pitchFamily="49" charset="-122"/>
+                <a:ea typeface="新宋体" panose="02010609030101010101" pitchFamily="49" charset="-122"/>
+              </a:rPr>
+              <a:t>"</a:t>
+            </a:r>
+            <a:r>
+              <a:rPr lang="en-US" altLang="zh-CN" sz="1050" dirty="0">
+                <a:solidFill>
+                  <a:srgbClr val="000000"/>
+                </a:solidFill>
+                <a:latin typeface="新宋体" panose="02010609030101010101" pitchFamily="49" charset="-122"/>
+                <a:ea typeface="新宋体" panose="02010609030101010101" pitchFamily="49" charset="-122"/>
+              </a:rPr>
+              <a:t>);</a:t>
+            </a:r>
+          </a:p>
+          <a:p>
+            <a:r>
+              <a:rPr lang="en-US" altLang="zh-CN" sz="1050" dirty="0">
+                <a:solidFill>
+                  <a:srgbClr val="000000"/>
+                </a:solidFill>
+                <a:latin typeface="新宋体" panose="02010609030101010101" pitchFamily="49" charset="-122"/>
+                <a:ea typeface="新宋体" panose="02010609030101010101" pitchFamily="49" charset="-122"/>
+              </a:rPr>
+              <a:t>            </a:t>
+            </a:r>
+            <a:r>
+              <a:rPr lang="en-US" altLang="zh-CN" sz="1050" dirty="0">
+                <a:solidFill>
+                  <a:srgbClr val="0000FF"/>
+                </a:solidFill>
+                <a:latin typeface="新宋体" panose="02010609030101010101" pitchFamily="49" charset="-122"/>
+                <a:ea typeface="新宋体" panose="02010609030101010101" pitchFamily="49" charset="-122"/>
+              </a:rPr>
+              <a:t>string</a:t>
+            </a:r>
+            <a:r>
+              <a:rPr lang="en-US" altLang="zh-CN" sz="1050" dirty="0">
+                <a:solidFill>
+                  <a:srgbClr val="000000"/>
+                </a:solidFill>
+                <a:latin typeface="新宋体" panose="02010609030101010101" pitchFamily="49" charset="-122"/>
+                <a:ea typeface="新宋体" panose="02010609030101010101" pitchFamily="49" charset="-122"/>
+              </a:rPr>
+              <a:t> </a:t>
+            </a:r>
+            <a:r>
+              <a:rPr lang="en-US" altLang="zh-CN" sz="1050" dirty="0" err="1">
+                <a:solidFill>
+                  <a:srgbClr val="000000"/>
+                </a:solidFill>
+                <a:latin typeface="新宋体" panose="02010609030101010101" pitchFamily="49" charset="-122"/>
+                <a:ea typeface="新宋体" panose="02010609030101010101" pitchFamily="49" charset="-122"/>
+              </a:rPr>
+              <a:t>aText</a:t>
+            </a:r>
+            <a:r>
+              <a:rPr lang="en-US" altLang="zh-CN" sz="1050" dirty="0">
+                <a:solidFill>
+                  <a:srgbClr val="000000"/>
+                </a:solidFill>
+                <a:latin typeface="新宋体" panose="02010609030101010101" pitchFamily="49" charset="-122"/>
+                <a:ea typeface="新宋体" panose="02010609030101010101" pitchFamily="49" charset="-122"/>
+              </a:rPr>
+              <a:t> = </a:t>
+            </a:r>
+            <a:r>
+              <a:rPr lang="en-US" altLang="zh-CN" sz="1050" dirty="0" err="1">
+                <a:solidFill>
+                  <a:srgbClr val="000000"/>
+                </a:solidFill>
+                <a:latin typeface="新宋体" panose="02010609030101010101" pitchFamily="49" charset="-122"/>
+                <a:ea typeface="新宋体" panose="02010609030101010101" pitchFamily="49" charset="-122"/>
+              </a:rPr>
+              <a:t>Console.ReadLine</a:t>
+            </a:r>
+            <a:r>
+              <a:rPr lang="en-US" altLang="zh-CN" sz="1050" dirty="0">
+                <a:solidFill>
+                  <a:srgbClr val="000000"/>
+                </a:solidFill>
+                <a:latin typeface="新宋体" panose="02010609030101010101" pitchFamily="49" charset="-122"/>
+                <a:ea typeface="新宋体" panose="02010609030101010101" pitchFamily="49" charset="-122"/>
+              </a:rPr>
+              <a:t>();</a:t>
+            </a:r>
+          </a:p>
+          <a:p>
+            <a:endParaRPr lang="zh-CN" altLang="en-US" sz="1050" dirty="0">
+              <a:solidFill>
+                <a:srgbClr val="000000"/>
+              </a:solidFill>
+              <a:latin typeface="新宋体" panose="02010609030101010101" pitchFamily="49" charset="-122"/>
+              <a:ea typeface="新宋体" panose="02010609030101010101" pitchFamily="49" charset="-122"/>
+            </a:endParaRPr>
+          </a:p>
+          <a:p>
+            <a:r>
+              <a:rPr lang="en-US" altLang="zh-CN" sz="1050" dirty="0">
+                <a:solidFill>
+                  <a:srgbClr val="000000"/>
+                </a:solidFill>
+                <a:latin typeface="新宋体" panose="02010609030101010101" pitchFamily="49" charset="-122"/>
+                <a:ea typeface="新宋体" panose="02010609030101010101" pitchFamily="49" charset="-122"/>
+              </a:rPr>
+              <a:t>            </a:t>
+            </a:r>
+            <a:r>
+              <a:rPr lang="en-US" altLang="zh-CN" sz="1050" dirty="0" err="1">
+                <a:solidFill>
+                  <a:srgbClr val="000000"/>
+                </a:solidFill>
+                <a:latin typeface="新宋体" panose="02010609030101010101" pitchFamily="49" charset="-122"/>
+                <a:ea typeface="新宋体" panose="02010609030101010101" pitchFamily="49" charset="-122"/>
+              </a:rPr>
+              <a:t>Console.Write</a:t>
+            </a:r>
+            <a:r>
+              <a:rPr lang="en-US" altLang="zh-CN" sz="1050" dirty="0">
+                <a:solidFill>
+                  <a:srgbClr val="000000"/>
+                </a:solidFill>
+                <a:latin typeface="新宋体" panose="02010609030101010101" pitchFamily="49" charset="-122"/>
+                <a:ea typeface="新宋体" panose="02010609030101010101" pitchFamily="49" charset="-122"/>
+              </a:rPr>
+              <a:t>(</a:t>
+            </a:r>
+            <a:r>
+              <a:rPr lang="en-US" altLang="zh-CN" sz="1050" dirty="0">
+                <a:solidFill>
+                  <a:srgbClr val="A31515"/>
+                </a:solidFill>
+                <a:latin typeface="新宋体" panose="02010609030101010101" pitchFamily="49" charset="-122"/>
+                <a:ea typeface="新宋体" panose="02010609030101010101" pitchFamily="49" charset="-122"/>
+              </a:rPr>
+              <a:t>"</a:t>
+            </a:r>
+            <a:r>
+              <a:rPr lang="zh-CN" altLang="en-US" sz="1050" dirty="0">
+                <a:solidFill>
+                  <a:srgbClr val="A31515"/>
+                </a:solidFill>
+                <a:latin typeface="新宋体" panose="02010609030101010101" pitchFamily="49" charset="-122"/>
+                <a:ea typeface="新宋体" panose="02010609030101010101" pitchFamily="49" charset="-122"/>
+              </a:rPr>
+              <a:t>请输入正则表达式：</a:t>
+            </a:r>
+            <a:r>
+              <a:rPr lang="en-US" altLang="zh-CN" sz="1050" dirty="0">
+                <a:solidFill>
+                  <a:srgbClr val="A31515"/>
+                </a:solidFill>
+                <a:latin typeface="新宋体" panose="02010609030101010101" pitchFamily="49" charset="-122"/>
+                <a:ea typeface="新宋体" panose="02010609030101010101" pitchFamily="49" charset="-122"/>
+              </a:rPr>
+              <a:t>"</a:t>
+            </a:r>
+            <a:r>
+              <a:rPr lang="en-US" altLang="zh-CN" sz="1050" dirty="0">
+                <a:solidFill>
+                  <a:srgbClr val="000000"/>
+                </a:solidFill>
+                <a:latin typeface="新宋体" panose="02010609030101010101" pitchFamily="49" charset="-122"/>
+                <a:ea typeface="新宋体" panose="02010609030101010101" pitchFamily="49" charset="-122"/>
+              </a:rPr>
+              <a:t>);</a:t>
+            </a:r>
+          </a:p>
+          <a:p>
+            <a:r>
+              <a:rPr lang="en-US" altLang="zh-CN" sz="1050" dirty="0">
+                <a:solidFill>
+                  <a:srgbClr val="000000"/>
+                </a:solidFill>
+                <a:latin typeface="新宋体" panose="02010609030101010101" pitchFamily="49" charset="-122"/>
+                <a:ea typeface="新宋体" panose="02010609030101010101" pitchFamily="49" charset="-122"/>
+              </a:rPr>
+              <a:t>            </a:t>
+            </a:r>
+            <a:r>
+              <a:rPr lang="en-US" altLang="zh-CN" sz="1050" dirty="0">
+                <a:solidFill>
+                  <a:srgbClr val="0000FF"/>
+                </a:solidFill>
+                <a:latin typeface="新宋体" panose="02010609030101010101" pitchFamily="49" charset="-122"/>
+                <a:ea typeface="新宋体" panose="02010609030101010101" pitchFamily="49" charset="-122"/>
+              </a:rPr>
+              <a:t>string</a:t>
+            </a:r>
+            <a:r>
+              <a:rPr lang="en-US" altLang="zh-CN" sz="1050" dirty="0">
+                <a:solidFill>
+                  <a:srgbClr val="000000"/>
+                </a:solidFill>
+                <a:latin typeface="新宋体" panose="02010609030101010101" pitchFamily="49" charset="-122"/>
+                <a:ea typeface="新宋体" panose="02010609030101010101" pitchFamily="49" charset="-122"/>
+              </a:rPr>
+              <a:t> </a:t>
+            </a:r>
+            <a:r>
+              <a:rPr lang="en-US" altLang="zh-CN" sz="1050" dirty="0" err="1">
+                <a:solidFill>
+                  <a:srgbClr val="000000"/>
+                </a:solidFill>
+                <a:latin typeface="新宋体" panose="02010609030101010101" pitchFamily="49" charset="-122"/>
+                <a:ea typeface="新宋体" panose="02010609030101010101" pitchFamily="49" charset="-122"/>
+              </a:rPr>
+              <a:t>aPattern</a:t>
+            </a:r>
+            <a:r>
+              <a:rPr lang="en-US" altLang="zh-CN" sz="1050" dirty="0">
+                <a:solidFill>
+                  <a:srgbClr val="000000"/>
+                </a:solidFill>
+                <a:latin typeface="新宋体" panose="02010609030101010101" pitchFamily="49" charset="-122"/>
+                <a:ea typeface="新宋体" panose="02010609030101010101" pitchFamily="49" charset="-122"/>
+              </a:rPr>
+              <a:t> = </a:t>
+            </a:r>
+            <a:r>
+              <a:rPr lang="en-US" altLang="zh-CN" sz="1050" dirty="0" err="1">
+                <a:solidFill>
+                  <a:srgbClr val="000000"/>
+                </a:solidFill>
+                <a:latin typeface="新宋体" panose="02010609030101010101" pitchFamily="49" charset="-122"/>
+                <a:ea typeface="新宋体" panose="02010609030101010101" pitchFamily="49" charset="-122"/>
+              </a:rPr>
+              <a:t>Console.ReadLine</a:t>
+            </a:r>
+            <a:r>
+              <a:rPr lang="en-US" altLang="zh-CN" sz="1050" dirty="0">
+                <a:solidFill>
+                  <a:srgbClr val="000000"/>
+                </a:solidFill>
+                <a:latin typeface="新宋体" panose="02010609030101010101" pitchFamily="49" charset="-122"/>
+                <a:ea typeface="新宋体" panose="02010609030101010101" pitchFamily="49" charset="-122"/>
+              </a:rPr>
+              <a:t>();</a:t>
+            </a:r>
+          </a:p>
+          <a:p>
+            <a:r>
+              <a:rPr lang="en-US" altLang="zh-CN" sz="1050" dirty="0">
+                <a:solidFill>
+                  <a:srgbClr val="000000"/>
+                </a:solidFill>
+                <a:latin typeface="新宋体" panose="02010609030101010101" pitchFamily="49" charset="-122"/>
+                <a:ea typeface="新宋体" panose="02010609030101010101" pitchFamily="49" charset="-122"/>
+              </a:rPr>
+              <a:t>            Regex </a:t>
+            </a:r>
+            <a:r>
+              <a:rPr lang="en-US" altLang="zh-CN" sz="1050" dirty="0" err="1">
+                <a:solidFill>
+                  <a:srgbClr val="000000"/>
+                </a:solidFill>
+                <a:latin typeface="新宋体" panose="02010609030101010101" pitchFamily="49" charset="-122"/>
+                <a:ea typeface="新宋体" panose="02010609030101010101" pitchFamily="49" charset="-122"/>
+              </a:rPr>
+              <a:t>aRegex</a:t>
+            </a:r>
+            <a:r>
+              <a:rPr lang="en-US" altLang="zh-CN" sz="1050" dirty="0">
+                <a:solidFill>
+                  <a:srgbClr val="000000"/>
+                </a:solidFill>
+                <a:latin typeface="新宋体" panose="02010609030101010101" pitchFamily="49" charset="-122"/>
+                <a:ea typeface="新宋体" panose="02010609030101010101" pitchFamily="49" charset="-122"/>
+              </a:rPr>
+              <a:t> = </a:t>
+            </a:r>
+            <a:r>
+              <a:rPr lang="en-US" altLang="zh-CN" sz="1050" dirty="0">
+                <a:solidFill>
+                  <a:srgbClr val="0000FF"/>
+                </a:solidFill>
+                <a:latin typeface="新宋体" panose="02010609030101010101" pitchFamily="49" charset="-122"/>
+                <a:ea typeface="新宋体" panose="02010609030101010101" pitchFamily="49" charset="-122"/>
+              </a:rPr>
+              <a:t>new</a:t>
+            </a:r>
+            <a:r>
+              <a:rPr lang="en-US" altLang="zh-CN" sz="1050" dirty="0">
+                <a:solidFill>
+                  <a:srgbClr val="000000"/>
+                </a:solidFill>
+                <a:latin typeface="新宋体" panose="02010609030101010101" pitchFamily="49" charset="-122"/>
+                <a:ea typeface="新宋体" panose="02010609030101010101" pitchFamily="49" charset="-122"/>
+              </a:rPr>
+              <a:t> Regex(</a:t>
+            </a:r>
+            <a:r>
+              <a:rPr lang="en-US" altLang="zh-CN" sz="1050" dirty="0" err="1">
+                <a:solidFill>
+                  <a:srgbClr val="000000"/>
+                </a:solidFill>
+                <a:latin typeface="新宋体" panose="02010609030101010101" pitchFamily="49" charset="-122"/>
+                <a:ea typeface="新宋体" panose="02010609030101010101" pitchFamily="49" charset="-122"/>
+              </a:rPr>
+              <a:t>aPattern</a:t>
+            </a:r>
+            <a:r>
+              <a:rPr lang="en-US" altLang="zh-CN" sz="1050" dirty="0">
+                <a:solidFill>
+                  <a:srgbClr val="000000"/>
+                </a:solidFill>
+                <a:latin typeface="新宋体" panose="02010609030101010101" pitchFamily="49" charset="-122"/>
+                <a:ea typeface="新宋体" panose="02010609030101010101" pitchFamily="49" charset="-122"/>
+              </a:rPr>
+              <a:t>);</a:t>
+            </a:r>
+          </a:p>
+          <a:p>
+            <a:endParaRPr lang="zh-CN" altLang="en-US" sz="1050" dirty="0">
+              <a:solidFill>
+                <a:srgbClr val="000000"/>
+              </a:solidFill>
+              <a:latin typeface="新宋体" panose="02010609030101010101" pitchFamily="49" charset="-122"/>
+              <a:ea typeface="新宋体" panose="02010609030101010101" pitchFamily="49" charset="-122"/>
+            </a:endParaRPr>
+          </a:p>
+          <a:p>
+            <a:r>
+              <a:rPr lang="zh-CN" altLang="en-US" sz="1050" dirty="0">
+                <a:solidFill>
+                  <a:srgbClr val="000000"/>
+                </a:solidFill>
+                <a:latin typeface="新宋体" panose="02010609030101010101" pitchFamily="49" charset="-122"/>
+                <a:ea typeface="新宋体" panose="02010609030101010101" pitchFamily="49" charset="-122"/>
+              </a:rPr>
+              <a:t>            </a:t>
+            </a:r>
+            <a:r>
+              <a:rPr lang="en-US" altLang="zh-CN" sz="1050" dirty="0">
+                <a:solidFill>
+                  <a:srgbClr val="008000"/>
+                </a:solidFill>
+                <a:latin typeface="新宋体" panose="02010609030101010101" pitchFamily="49" charset="-122"/>
+                <a:ea typeface="新宋体" panose="02010609030101010101" pitchFamily="49" charset="-122"/>
+              </a:rPr>
+              <a:t>// </a:t>
+            </a:r>
+            <a:r>
+              <a:rPr lang="zh-CN" altLang="en-US" sz="1050" dirty="0">
+                <a:solidFill>
+                  <a:srgbClr val="008000"/>
+                </a:solidFill>
+                <a:latin typeface="新宋体" panose="02010609030101010101" pitchFamily="49" charset="-122"/>
+                <a:ea typeface="新宋体" panose="02010609030101010101" pitchFamily="49" charset="-122"/>
+              </a:rPr>
+              <a:t>检测</a:t>
+            </a:r>
+            <a:endParaRPr lang="zh-CN" altLang="en-US" sz="1050" dirty="0">
+              <a:solidFill>
+                <a:srgbClr val="000000"/>
+              </a:solidFill>
+              <a:latin typeface="新宋体" panose="02010609030101010101" pitchFamily="49" charset="-122"/>
+              <a:ea typeface="新宋体" panose="02010609030101010101" pitchFamily="49" charset="-122"/>
+            </a:endParaRPr>
+          </a:p>
+          <a:p>
+            <a:r>
+              <a:rPr lang="en-US" altLang="zh-CN" sz="1050" dirty="0">
+                <a:solidFill>
+                  <a:srgbClr val="000000"/>
+                </a:solidFill>
+                <a:latin typeface="新宋体" panose="02010609030101010101" pitchFamily="49" charset="-122"/>
+                <a:ea typeface="新宋体" panose="02010609030101010101" pitchFamily="49" charset="-122"/>
+              </a:rPr>
+              <a:t>            </a:t>
+            </a:r>
+            <a:r>
+              <a:rPr lang="en-US" altLang="zh-CN" sz="1050" dirty="0">
+                <a:solidFill>
+                  <a:srgbClr val="0000FF"/>
+                </a:solidFill>
+                <a:latin typeface="新宋体" panose="02010609030101010101" pitchFamily="49" charset="-122"/>
+                <a:ea typeface="新宋体" panose="02010609030101010101" pitchFamily="49" charset="-122"/>
+              </a:rPr>
+              <a:t>if</a:t>
+            </a:r>
+            <a:r>
+              <a:rPr lang="en-US" altLang="zh-CN" sz="1050" dirty="0">
+                <a:solidFill>
+                  <a:srgbClr val="000000"/>
+                </a:solidFill>
+                <a:latin typeface="新宋体" panose="02010609030101010101" pitchFamily="49" charset="-122"/>
+                <a:ea typeface="新宋体" panose="02010609030101010101" pitchFamily="49" charset="-122"/>
+              </a:rPr>
+              <a:t> (!</a:t>
+            </a:r>
+            <a:r>
+              <a:rPr lang="en-US" altLang="zh-CN" sz="1050" dirty="0" err="1">
+                <a:solidFill>
+                  <a:srgbClr val="000000"/>
+                </a:solidFill>
+                <a:latin typeface="新宋体" panose="02010609030101010101" pitchFamily="49" charset="-122"/>
+                <a:ea typeface="新宋体" panose="02010609030101010101" pitchFamily="49" charset="-122"/>
+              </a:rPr>
+              <a:t>aRegex.IsMatch</a:t>
+            </a:r>
+            <a:r>
+              <a:rPr lang="en-US" altLang="zh-CN" sz="1050" dirty="0">
+                <a:solidFill>
+                  <a:srgbClr val="000000"/>
+                </a:solidFill>
+                <a:latin typeface="新宋体" panose="02010609030101010101" pitchFamily="49" charset="-122"/>
+                <a:ea typeface="新宋体" panose="02010609030101010101" pitchFamily="49" charset="-122"/>
+              </a:rPr>
+              <a:t>(</a:t>
+            </a:r>
+            <a:r>
+              <a:rPr lang="en-US" altLang="zh-CN" sz="1050" dirty="0" err="1">
+                <a:solidFill>
+                  <a:srgbClr val="000000"/>
+                </a:solidFill>
+                <a:latin typeface="新宋体" panose="02010609030101010101" pitchFamily="49" charset="-122"/>
+                <a:ea typeface="新宋体" panose="02010609030101010101" pitchFamily="49" charset="-122"/>
+              </a:rPr>
+              <a:t>aText</a:t>
+            </a:r>
+            <a:r>
+              <a:rPr lang="en-US" altLang="zh-CN" sz="1050" dirty="0">
+                <a:solidFill>
+                  <a:srgbClr val="000000"/>
+                </a:solidFill>
+                <a:latin typeface="新宋体" panose="02010609030101010101" pitchFamily="49" charset="-122"/>
+                <a:ea typeface="新宋体" panose="02010609030101010101" pitchFamily="49" charset="-122"/>
+              </a:rPr>
+              <a:t>))</a:t>
+            </a:r>
+          </a:p>
+          <a:p>
+            <a:r>
+              <a:rPr lang="en-US" altLang="zh-CN" sz="1050" dirty="0">
+                <a:solidFill>
+                  <a:srgbClr val="000000"/>
+                </a:solidFill>
+                <a:latin typeface="新宋体" panose="02010609030101010101" pitchFamily="49" charset="-122"/>
+                <a:ea typeface="新宋体" panose="02010609030101010101" pitchFamily="49" charset="-122"/>
+              </a:rPr>
+              <a:t>                </a:t>
+            </a:r>
+            <a:r>
+              <a:rPr lang="en-US" altLang="zh-CN" sz="1050" dirty="0" err="1">
+                <a:solidFill>
+                  <a:srgbClr val="000000"/>
+                </a:solidFill>
+                <a:latin typeface="新宋体" panose="02010609030101010101" pitchFamily="49" charset="-122"/>
+                <a:ea typeface="新宋体" panose="02010609030101010101" pitchFamily="49" charset="-122"/>
+              </a:rPr>
+              <a:t>Console.WriteLine</a:t>
+            </a:r>
+            <a:r>
+              <a:rPr lang="en-US" altLang="zh-CN" sz="1050" dirty="0">
+                <a:solidFill>
+                  <a:srgbClr val="000000"/>
+                </a:solidFill>
+                <a:latin typeface="新宋体" panose="02010609030101010101" pitchFamily="49" charset="-122"/>
+                <a:ea typeface="新宋体" panose="02010609030101010101" pitchFamily="49" charset="-122"/>
+              </a:rPr>
+              <a:t>(</a:t>
+            </a:r>
+            <a:r>
+              <a:rPr lang="en-US" altLang="zh-CN" sz="1050" dirty="0">
+                <a:solidFill>
+                  <a:srgbClr val="A31515"/>
+                </a:solidFill>
+                <a:latin typeface="新宋体" panose="02010609030101010101" pitchFamily="49" charset="-122"/>
+                <a:ea typeface="新宋体" panose="02010609030101010101" pitchFamily="49" charset="-122"/>
+              </a:rPr>
+              <a:t>"</a:t>
+            </a:r>
+            <a:r>
+              <a:rPr lang="zh-CN" altLang="en-US" sz="1050" dirty="0">
+                <a:solidFill>
+                  <a:srgbClr val="A31515"/>
+                </a:solidFill>
+                <a:latin typeface="新宋体" panose="02010609030101010101" pitchFamily="49" charset="-122"/>
+                <a:ea typeface="新宋体" panose="02010609030101010101" pitchFamily="49" charset="-122"/>
+              </a:rPr>
+              <a:t>检测不通过！</a:t>
+            </a:r>
+            <a:r>
+              <a:rPr lang="en-US" altLang="zh-CN" sz="1050" dirty="0">
+                <a:solidFill>
+                  <a:srgbClr val="A31515"/>
+                </a:solidFill>
+                <a:latin typeface="新宋体" panose="02010609030101010101" pitchFamily="49" charset="-122"/>
+                <a:ea typeface="新宋体" panose="02010609030101010101" pitchFamily="49" charset="-122"/>
+              </a:rPr>
+              <a:t>"</a:t>
+            </a:r>
+            <a:r>
+              <a:rPr lang="en-US" altLang="zh-CN" sz="1050" dirty="0">
+                <a:solidFill>
+                  <a:srgbClr val="000000"/>
+                </a:solidFill>
+                <a:latin typeface="新宋体" panose="02010609030101010101" pitchFamily="49" charset="-122"/>
+                <a:ea typeface="新宋体" panose="02010609030101010101" pitchFamily="49" charset="-122"/>
+              </a:rPr>
+              <a:t>);</a:t>
+            </a:r>
+          </a:p>
+          <a:p>
+            <a:r>
+              <a:rPr lang="en-US" altLang="zh-CN" sz="1050" dirty="0">
+                <a:solidFill>
+                  <a:srgbClr val="000000"/>
+                </a:solidFill>
+                <a:latin typeface="新宋体" panose="02010609030101010101" pitchFamily="49" charset="-122"/>
+                <a:ea typeface="新宋体" panose="02010609030101010101" pitchFamily="49" charset="-122"/>
+              </a:rPr>
+              <a:t>            </a:t>
+            </a:r>
+            <a:r>
+              <a:rPr lang="en-US" altLang="zh-CN" sz="1050" dirty="0">
+                <a:solidFill>
+                  <a:srgbClr val="0000FF"/>
+                </a:solidFill>
+                <a:latin typeface="新宋体" panose="02010609030101010101" pitchFamily="49" charset="-122"/>
+                <a:ea typeface="新宋体" panose="02010609030101010101" pitchFamily="49" charset="-122"/>
+              </a:rPr>
+              <a:t>else</a:t>
+            </a:r>
+            <a:endParaRPr lang="en-US" altLang="zh-CN" sz="1050" dirty="0">
+              <a:solidFill>
+                <a:srgbClr val="000000"/>
+              </a:solidFill>
+              <a:latin typeface="新宋体" panose="02010609030101010101" pitchFamily="49" charset="-122"/>
+              <a:ea typeface="新宋体" panose="02010609030101010101" pitchFamily="49" charset="-122"/>
+            </a:endParaRPr>
+          </a:p>
+          <a:p>
+            <a:r>
+              <a:rPr lang="zh-CN" altLang="en-US" sz="1050" dirty="0">
+                <a:solidFill>
+                  <a:srgbClr val="000000"/>
+                </a:solidFill>
+                <a:latin typeface="新宋体" panose="02010609030101010101" pitchFamily="49" charset="-122"/>
+                <a:ea typeface="新宋体" panose="02010609030101010101" pitchFamily="49" charset="-122"/>
+              </a:rPr>
+              <a:t>            </a:t>
+            </a:r>
+            <a:r>
+              <a:rPr lang="en-US" altLang="zh-CN" sz="1050" dirty="0">
+                <a:solidFill>
+                  <a:srgbClr val="000000"/>
+                </a:solidFill>
+                <a:latin typeface="新宋体" panose="02010609030101010101" pitchFamily="49" charset="-122"/>
+                <a:ea typeface="新宋体" panose="02010609030101010101" pitchFamily="49" charset="-122"/>
+              </a:rPr>
+              <a:t>{</a:t>
+            </a:r>
+          </a:p>
+          <a:p>
+            <a:r>
+              <a:rPr lang="en-US" altLang="zh-CN" sz="1050" dirty="0">
+                <a:solidFill>
+                  <a:srgbClr val="000000"/>
+                </a:solidFill>
+                <a:latin typeface="新宋体" panose="02010609030101010101" pitchFamily="49" charset="-122"/>
+                <a:ea typeface="新宋体" panose="02010609030101010101" pitchFamily="49" charset="-122"/>
+              </a:rPr>
+              <a:t>                </a:t>
+            </a:r>
+            <a:r>
+              <a:rPr lang="en-US" altLang="zh-CN" sz="1050" dirty="0" err="1">
+                <a:solidFill>
+                  <a:srgbClr val="000000"/>
+                </a:solidFill>
+                <a:latin typeface="新宋体" panose="02010609030101010101" pitchFamily="49" charset="-122"/>
+                <a:ea typeface="新宋体" panose="02010609030101010101" pitchFamily="49" charset="-122"/>
+              </a:rPr>
+              <a:t>Console.WriteLine</a:t>
+            </a:r>
+            <a:r>
+              <a:rPr lang="en-US" altLang="zh-CN" sz="1050" dirty="0">
+                <a:solidFill>
+                  <a:srgbClr val="000000"/>
+                </a:solidFill>
+                <a:latin typeface="新宋体" panose="02010609030101010101" pitchFamily="49" charset="-122"/>
+                <a:ea typeface="新宋体" panose="02010609030101010101" pitchFamily="49" charset="-122"/>
+              </a:rPr>
+              <a:t>(</a:t>
+            </a:r>
+            <a:r>
+              <a:rPr lang="en-US" altLang="zh-CN" sz="1050" dirty="0">
+                <a:solidFill>
+                  <a:srgbClr val="A31515"/>
+                </a:solidFill>
+                <a:latin typeface="新宋体" panose="02010609030101010101" pitchFamily="49" charset="-122"/>
+                <a:ea typeface="新宋体" panose="02010609030101010101" pitchFamily="49" charset="-122"/>
+              </a:rPr>
+              <a:t>"</a:t>
+            </a:r>
+            <a:r>
+              <a:rPr lang="zh-CN" altLang="en-US" sz="1050" dirty="0">
+                <a:solidFill>
+                  <a:srgbClr val="A31515"/>
+                </a:solidFill>
+                <a:latin typeface="新宋体" panose="02010609030101010101" pitchFamily="49" charset="-122"/>
+                <a:ea typeface="新宋体" panose="02010609030101010101" pitchFamily="49" charset="-122"/>
+              </a:rPr>
+              <a:t>检测通过！</a:t>
+            </a:r>
+            <a:r>
+              <a:rPr lang="en-US" altLang="zh-CN" sz="1050" dirty="0">
+                <a:solidFill>
+                  <a:srgbClr val="A31515"/>
+                </a:solidFill>
+                <a:latin typeface="新宋体" panose="02010609030101010101" pitchFamily="49" charset="-122"/>
+                <a:ea typeface="新宋体" panose="02010609030101010101" pitchFamily="49" charset="-122"/>
+              </a:rPr>
+              <a:t>"</a:t>
+            </a:r>
+            <a:r>
+              <a:rPr lang="en-US" altLang="zh-CN" sz="1050" dirty="0">
+                <a:solidFill>
+                  <a:srgbClr val="000000"/>
+                </a:solidFill>
+                <a:latin typeface="新宋体" panose="02010609030101010101" pitchFamily="49" charset="-122"/>
+                <a:ea typeface="新宋体" panose="02010609030101010101" pitchFamily="49" charset="-122"/>
+              </a:rPr>
+              <a:t>);</a:t>
+            </a:r>
+          </a:p>
+          <a:p>
+            <a:endParaRPr lang="zh-CN" altLang="en-US" sz="1050" dirty="0">
+              <a:solidFill>
+                <a:srgbClr val="000000"/>
+              </a:solidFill>
+              <a:latin typeface="新宋体" panose="02010609030101010101" pitchFamily="49" charset="-122"/>
+              <a:ea typeface="新宋体" panose="02010609030101010101" pitchFamily="49" charset="-122"/>
+            </a:endParaRPr>
+          </a:p>
+          <a:p>
+            <a:r>
+              <a:rPr lang="en-US" altLang="zh-CN" sz="1050" dirty="0">
+                <a:solidFill>
+                  <a:srgbClr val="000000"/>
+                </a:solidFill>
+                <a:latin typeface="新宋体" panose="02010609030101010101" pitchFamily="49" charset="-122"/>
+                <a:ea typeface="新宋体" panose="02010609030101010101" pitchFamily="49" charset="-122"/>
+              </a:rPr>
+              <a:t>                </a:t>
+            </a:r>
+            <a:r>
+              <a:rPr lang="en-US" altLang="zh-CN" sz="1050" dirty="0" err="1">
+                <a:solidFill>
+                  <a:srgbClr val="000000"/>
+                </a:solidFill>
+                <a:latin typeface="新宋体" panose="02010609030101010101" pitchFamily="49" charset="-122"/>
+                <a:ea typeface="新宋体" panose="02010609030101010101" pitchFamily="49" charset="-122"/>
+              </a:rPr>
+              <a:t>Console.WriteLine</a:t>
+            </a:r>
+            <a:r>
+              <a:rPr lang="en-US" altLang="zh-CN" sz="1050" dirty="0">
+                <a:solidFill>
+                  <a:srgbClr val="000000"/>
+                </a:solidFill>
+                <a:latin typeface="新宋体" panose="02010609030101010101" pitchFamily="49" charset="-122"/>
+                <a:ea typeface="新宋体" panose="02010609030101010101" pitchFamily="49" charset="-122"/>
+              </a:rPr>
+              <a:t>(</a:t>
+            </a:r>
+            <a:r>
+              <a:rPr lang="en-US" altLang="zh-CN" sz="1050" dirty="0">
+                <a:solidFill>
+                  <a:srgbClr val="A31515"/>
+                </a:solidFill>
+                <a:latin typeface="新宋体" panose="02010609030101010101" pitchFamily="49" charset="-122"/>
+                <a:ea typeface="新宋体" panose="02010609030101010101" pitchFamily="49" charset="-122"/>
+              </a:rPr>
+              <a:t>"</a:t>
+            </a:r>
+            <a:r>
+              <a:rPr lang="zh-CN" altLang="en-US" sz="1050" dirty="0">
+                <a:solidFill>
+                  <a:srgbClr val="A31515"/>
+                </a:solidFill>
+                <a:latin typeface="新宋体" panose="02010609030101010101" pitchFamily="49" charset="-122"/>
+                <a:ea typeface="新宋体" panose="02010609030101010101" pitchFamily="49" charset="-122"/>
+              </a:rPr>
+              <a:t>显示首个匹配</a:t>
+            </a:r>
+            <a:r>
+              <a:rPr lang="en-US" altLang="zh-CN" sz="1050" dirty="0">
+                <a:solidFill>
+                  <a:srgbClr val="A31515"/>
+                </a:solidFill>
+                <a:latin typeface="新宋体" panose="02010609030101010101" pitchFamily="49" charset="-122"/>
+                <a:ea typeface="新宋体" panose="02010609030101010101" pitchFamily="49" charset="-122"/>
+              </a:rPr>
+              <a:t>……"</a:t>
+            </a:r>
+            <a:r>
+              <a:rPr lang="en-US" altLang="zh-CN" sz="1050" dirty="0">
+                <a:solidFill>
+                  <a:srgbClr val="000000"/>
+                </a:solidFill>
+                <a:latin typeface="新宋体" panose="02010609030101010101" pitchFamily="49" charset="-122"/>
+                <a:ea typeface="新宋体" panose="02010609030101010101" pitchFamily="49" charset="-122"/>
+              </a:rPr>
+              <a:t>);</a:t>
+            </a:r>
+          </a:p>
+          <a:p>
+            <a:r>
+              <a:rPr lang="en-US" altLang="zh-CN" sz="1050" dirty="0">
+                <a:solidFill>
+                  <a:srgbClr val="000000"/>
+                </a:solidFill>
+                <a:latin typeface="新宋体" panose="02010609030101010101" pitchFamily="49" charset="-122"/>
+                <a:ea typeface="新宋体" panose="02010609030101010101" pitchFamily="49" charset="-122"/>
+              </a:rPr>
+              <a:t>                </a:t>
+            </a:r>
+            <a:r>
+              <a:rPr lang="en-US" altLang="zh-CN" sz="1050" dirty="0" err="1">
+                <a:solidFill>
+                  <a:srgbClr val="000000"/>
+                </a:solidFill>
+                <a:latin typeface="新宋体" panose="02010609030101010101" pitchFamily="49" charset="-122"/>
+                <a:ea typeface="新宋体" panose="02010609030101010101" pitchFamily="49" charset="-122"/>
+              </a:rPr>
+              <a:t>ShowMatch</a:t>
+            </a:r>
+            <a:r>
+              <a:rPr lang="en-US" altLang="zh-CN" sz="1050" dirty="0">
+                <a:solidFill>
+                  <a:srgbClr val="000000"/>
+                </a:solidFill>
+                <a:latin typeface="新宋体" panose="02010609030101010101" pitchFamily="49" charset="-122"/>
+                <a:ea typeface="新宋体" panose="02010609030101010101" pitchFamily="49" charset="-122"/>
+              </a:rPr>
+              <a:t>(</a:t>
+            </a:r>
+            <a:r>
+              <a:rPr lang="en-US" altLang="zh-CN" sz="1050" dirty="0" err="1">
+                <a:solidFill>
+                  <a:srgbClr val="000000"/>
+                </a:solidFill>
+                <a:latin typeface="新宋体" panose="02010609030101010101" pitchFamily="49" charset="-122"/>
+                <a:ea typeface="新宋体" panose="02010609030101010101" pitchFamily="49" charset="-122"/>
+              </a:rPr>
+              <a:t>aRegex.Match</a:t>
+            </a:r>
+            <a:r>
+              <a:rPr lang="en-US" altLang="zh-CN" sz="1050" dirty="0">
+                <a:solidFill>
+                  <a:srgbClr val="000000"/>
+                </a:solidFill>
+                <a:latin typeface="新宋体" panose="02010609030101010101" pitchFamily="49" charset="-122"/>
+                <a:ea typeface="新宋体" panose="02010609030101010101" pitchFamily="49" charset="-122"/>
+              </a:rPr>
+              <a:t>(</a:t>
+            </a:r>
+            <a:r>
+              <a:rPr lang="en-US" altLang="zh-CN" sz="1050" dirty="0" err="1">
+                <a:solidFill>
+                  <a:srgbClr val="000000"/>
+                </a:solidFill>
+                <a:latin typeface="新宋体" panose="02010609030101010101" pitchFamily="49" charset="-122"/>
+                <a:ea typeface="新宋体" panose="02010609030101010101" pitchFamily="49" charset="-122"/>
+              </a:rPr>
+              <a:t>aText</a:t>
+            </a:r>
+            <a:r>
+              <a:rPr lang="en-US" altLang="zh-CN" sz="1050" dirty="0">
+                <a:solidFill>
+                  <a:srgbClr val="000000"/>
+                </a:solidFill>
+                <a:latin typeface="新宋体" panose="02010609030101010101" pitchFamily="49" charset="-122"/>
+                <a:ea typeface="新宋体" panose="02010609030101010101" pitchFamily="49" charset="-122"/>
+              </a:rPr>
+              <a:t>));</a:t>
+            </a:r>
+          </a:p>
+          <a:p>
+            <a:endParaRPr lang="zh-CN" altLang="en-US" sz="1050" dirty="0">
+              <a:solidFill>
+                <a:srgbClr val="000000"/>
+              </a:solidFill>
+              <a:latin typeface="新宋体" panose="02010609030101010101" pitchFamily="49" charset="-122"/>
+              <a:ea typeface="新宋体" panose="02010609030101010101" pitchFamily="49" charset="-122"/>
+            </a:endParaRPr>
+          </a:p>
+          <a:p>
+            <a:r>
+              <a:rPr lang="en-US" altLang="zh-CN" sz="1050" dirty="0">
+                <a:solidFill>
+                  <a:srgbClr val="000000"/>
+                </a:solidFill>
+                <a:latin typeface="新宋体" panose="02010609030101010101" pitchFamily="49" charset="-122"/>
+                <a:ea typeface="新宋体" panose="02010609030101010101" pitchFamily="49" charset="-122"/>
+              </a:rPr>
+              <a:t>                </a:t>
+            </a:r>
+            <a:r>
+              <a:rPr lang="en-US" altLang="zh-CN" sz="1050" dirty="0" err="1">
+                <a:solidFill>
+                  <a:srgbClr val="000000"/>
+                </a:solidFill>
+                <a:latin typeface="新宋体" panose="02010609030101010101" pitchFamily="49" charset="-122"/>
+                <a:ea typeface="新宋体" panose="02010609030101010101" pitchFamily="49" charset="-122"/>
+              </a:rPr>
+              <a:t>Console.WriteLine</a:t>
+            </a:r>
+            <a:r>
+              <a:rPr lang="en-US" altLang="zh-CN" sz="1050" dirty="0">
+                <a:solidFill>
+                  <a:srgbClr val="000000"/>
+                </a:solidFill>
+                <a:latin typeface="新宋体" panose="02010609030101010101" pitchFamily="49" charset="-122"/>
+                <a:ea typeface="新宋体" panose="02010609030101010101" pitchFamily="49" charset="-122"/>
+              </a:rPr>
+              <a:t>(</a:t>
+            </a:r>
+            <a:r>
+              <a:rPr lang="en-US" altLang="zh-CN" sz="1050" dirty="0">
+                <a:solidFill>
+                  <a:srgbClr val="A31515"/>
+                </a:solidFill>
+                <a:latin typeface="新宋体" panose="02010609030101010101" pitchFamily="49" charset="-122"/>
+                <a:ea typeface="新宋体" panose="02010609030101010101" pitchFamily="49" charset="-122"/>
+              </a:rPr>
+              <a:t>"</a:t>
+            </a:r>
+            <a:r>
+              <a:rPr lang="zh-CN" altLang="en-US" sz="1050" dirty="0">
+                <a:solidFill>
+                  <a:srgbClr val="A31515"/>
+                </a:solidFill>
+                <a:latin typeface="新宋体" panose="02010609030101010101" pitchFamily="49" charset="-122"/>
+                <a:ea typeface="新宋体" panose="02010609030101010101" pitchFamily="49" charset="-122"/>
+              </a:rPr>
+              <a:t>显示全部匹配</a:t>
+            </a:r>
+            <a:r>
+              <a:rPr lang="en-US" altLang="zh-CN" sz="1050" dirty="0">
+                <a:solidFill>
+                  <a:srgbClr val="A31515"/>
+                </a:solidFill>
+                <a:latin typeface="新宋体" panose="02010609030101010101" pitchFamily="49" charset="-122"/>
+                <a:ea typeface="新宋体" panose="02010609030101010101" pitchFamily="49" charset="-122"/>
+              </a:rPr>
+              <a:t>……"</a:t>
+            </a:r>
+            <a:r>
+              <a:rPr lang="en-US" altLang="zh-CN" sz="1050" dirty="0">
+                <a:solidFill>
+                  <a:srgbClr val="000000"/>
+                </a:solidFill>
+                <a:latin typeface="新宋体" panose="02010609030101010101" pitchFamily="49" charset="-122"/>
+                <a:ea typeface="新宋体" panose="02010609030101010101" pitchFamily="49" charset="-122"/>
+              </a:rPr>
+              <a:t>);</a:t>
+            </a:r>
+          </a:p>
+          <a:p>
+            <a:r>
+              <a:rPr lang="en-US" altLang="zh-CN" sz="1050" dirty="0">
+                <a:solidFill>
+                  <a:srgbClr val="000000"/>
+                </a:solidFill>
+                <a:latin typeface="新宋体" panose="02010609030101010101" pitchFamily="49" charset="-122"/>
+                <a:ea typeface="新宋体" panose="02010609030101010101" pitchFamily="49" charset="-122"/>
+              </a:rPr>
+              <a:t>                </a:t>
+            </a:r>
+            <a:r>
+              <a:rPr lang="en-US" altLang="zh-CN" sz="1050" dirty="0" err="1">
+                <a:solidFill>
+                  <a:srgbClr val="000000"/>
+                </a:solidFill>
+                <a:latin typeface="新宋体" panose="02010609030101010101" pitchFamily="49" charset="-122"/>
+                <a:ea typeface="新宋体" panose="02010609030101010101" pitchFamily="49" charset="-122"/>
+              </a:rPr>
+              <a:t>MatchCollection</a:t>
+            </a:r>
+            <a:r>
+              <a:rPr lang="en-US" altLang="zh-CN" sz="1050" dirty="0">
+                <a:solidFill>
+                  <a:srgbClr val="000000"/>
+                </a:solidFill>
+                <a:latin typeface="新宋体" panose="02010609030101010101" pitchFamily="49" charset="-122"/>
+                <a:ea typeface="新宋体" panose="02010609030101010101" pitchFamily="49" charset="-122"/>
+              </a:rPr>
+              <a:t> </a:t>
+            </a:r>
+            <a:r>
+              <a:rPr lang="en-US" altLang="zh-CN" sz="1050" dirty="0" err="1">
+                <a:solidFill>
+                  <a:srgbClr val="000000"/>
+                </a:solidFill>
+                <a:latin typeface="新宋体" panose="02010609030101010101" pitchFamily="49" charset="-122"/>
+                <a:ea typeface="新宋体" panose="02010609030101010101" pitchFamily="49" charset="-122"/>
+              </a:rPr>
+              <a:t>aMatches</a:t>
+            </a:r>
+            <a:r>
+              <a:rPr lang="en-US" altLang="zh-CN" sz="1050" dirty="0">
+                <a:solidFill>
+                  <a:srgbClr val="000000"/>
+                </a:solidFill>
+                <a:latin typeface="新宋体" panose="02010609030101010101" pitchFamily="49" charset="-122"/>
+                <a:ea typeface="新宋体" panose="02010609030101010101" pitchFamily="49" charset="-122"/>
+              </a:rPr>
+              <a:t> = </a:t>
+            </a:r>
+            <a:r>
+              <a:rPr lang="en-US" altLang="zh-CN" sz="1050" dirty="0" err="1">
+                <a:solidFill>
+                  <a:srgbClr val="000000"/>
+                </a:solidFill>
+                <a:latin typeface="新宋体" panose="02010609030101010101" pitchFamily="49" charset="-122"/>
+                <a:ea typeface="新宋体" panose="02010609030101010101" pitchFamily="49" charset="-122"/>
+              </a:rPr>
+              <a:t>aRegex.Matches</a:t>
+            </a:r>
+            <a:r>
+              <a:rPr lang="en-US" altLang="zh-CN" sz="1050" dirty="0">
+                <a:solidFill>
+                  <a:srgbClr val="000000"/>
+                </a:solidFill>
+                <a:latin typeface="新宋体" panose="02010609030101010101" pitchFamily="49" charset="-122"/>
+                <a:ea typeface="新宋体" panose="02010609030101010101" pitchFamily="49" charset="-122"/>
+              </a:rPr>
+              <a:t>(</a:t>
+            </a:r>
+            <a:r>
+              <a:rPr lang="en-US" altLang="zh-CN" sz="1050" dirty="0" err="1">
+                <a:solidFill>
+                  <a:srgbClr val="000000"/>
+                </a:solidFill>
+                <a:latin typeface="新宋体" panose="02010609030101010101" pitchFamily="49" charset="-122"/>
+                <a:ea typeface="新宋体" panose="02010609030101010101" pitchFamily="49" charset="-122"/>
+              </a:rPr>
+              <a:t>aText</a:t>
+            </a:r>
+            <a:r>
+              <a:rPr lang="en-US" altLang="zh-CN" sz="1050" dirty="0">
+                <a:solidFill>
+                  <a:srgbClr val="000000"/>
+                </a:solidFill>
+                <a:latin typeface="新宋体" panose="02010609030101010101" pitchFamily="49" charset="-122"/>
+                <a:ea typeface="新宋体" panose="02010609030101010101" pitchFamily="49" charset="-122"/>
+              </a:rPr>
+              <a:t>);</a:t>
+            </a:r>
+          </a:p>
+          <a:p>
+            <a:r>
+              <a:rPr lang="en-US" altLang="zh-CN" sz="1050" dirty="0">
+                <a:solidFill>
+                  <a:srgbClr val="000000"/>
+                </a:solidFill>
+                <a:latin typeface="新宋体" panose="02010609030101010101" pitchFamily="49" charset="-122"/>
+                <a:ea typeface="新宋体" panose="02010609030101010101" pitchFamily="49" charset="-122"/>
+              </a:rPr>
+              <a:t>                </a:t>
+            </a:r>
+            <a:r>
+              <a:rPr lang="en-US" altLang="zh-CN" sz="1050" dirty="0">
+                <a:solidFill>
+                  <a:srgbClr val="0000FF"/>
+                </a:solidFill>
+                <a:latin typeface="新宋体" panose="02010609030101010101" pitchFamily="49" charset="-122"/>
+                <a:ea typeface="新宋体" panose="02010609030101010101" pitchFamily="49" charset="-122"/>
+              </a:rPr>
+              <a:t>foreach</a:t>
+            </a:r>
+            <a:r>
+              <a:rPr lang="en-US" altLang="zh-CN" sz="1050" dirty="0">
+                <a:solidFill>
+                  <a:srgbClr val="000000"/>
+                </a:solidFill>
+                <a:latin typeface="新宋体" panose="02010609030101010101" pitchFamily="49" charset="-122"/>
+                <a:ea typeface="新宋体" panose="02010609030101010101" pitchFamily="49" charset="-122"/>
+              </a:rPr>
+              <a:t> (Match </a:t>
+            </a:r>
+            <a:r>
+              <a:rPr lang="en-US" altLang="zh-CN" sz="1050" dirty="0" err="1">
+                <a:solidFill>
+                  <a:srgbClr val="000000"/>
+                </a:solidFill>
+                <a:latin typeface="新宋体" panose="02010609030101010101" pitchFamily="49" charset="-122"/>
+                <a:ea typeface="新宋体" panose="02010609030101010101" pitchFamily="49" charset="-122"/>
+              </a:rPr>
+              <a:t>aMatch</a:t>
+            </a:r>
+            <a:r>
+              <a:rPr lang="en-US" altLang="zh-CN" sz="1050" dirty="0">
+                <a:solidFill>
+                  <a:srgbClr val="000000"/>
+                </a:solidFill>
+                <a:latin typeface="新宋体" panose="02010609030101010101" pitchFamily="49" charset="-122"/>
+                <a:ea typeface="新宋体" panose="02010609030101010101" pitchFamily="49" charset="-122"/>
+              </a:rPr>
+              <a:t> </a:t>
+            </a:r>
+            <a:r>
+              <a:rPr lang="en-US" altLang="zh-CN" sz="1050" dirty="0">
+                <a:solidFill>
+                  <a:srgbClr val="0000FF"/>
+                </a:solidFill>
+                <a:latin typeface="新宋体" panose="02010609030101010101" pitchFamily="49" charset="-122"/>
+                <a:ea typeface="新宋体" panose="02010609030101010101" pitchFamily="49" charset="-122"/>
+              </a:rPr>
+              <a:t>in</a:t>
+            </a:r>
+            <a:r>
+              <a:rPr lang="en-US" altLang="zh-CN" sz="1050" dirty="0">
+                <a:solidFill>
+                  <a:srgbClr val="000000"/>
+                </a:solidFill>
+                <a:latin typeface="新宋体" panose="02010609030101010101" pitchFamily="49" charset="-122"/>
+                <a:ea typeface="新宋体" panose="02010609030101010101" pitchFamily="49" charset="-122"/>
+              </a:rPr>
+              <a:t> </a:t>
+            </a:r>
+            <a:r>
+              <a:rPr lang="en-US" altLang="zh-CN" sz="1050" dirty="0" err="1">
+                <a:solidFill>
+                  <a:srgbClr val="000000"/>
+                </a:solidFill>
+                <a:latin typeface="新宋体" panose="02010609030101010101" pitchFamily="49" charset="-122"/>
+                <a:ea typeface="新宋体" panose="02010609030101010101" pitchFamily="49" charset="-122"/>
+              </a:rPr>
+              <a:t>aMatches</a:t>
+            </a:r>
+            <a:r>
+              <a:rPr lang="en-US" altLang="zh-CN" sz="1050" dirty="0">
+                <a:solidFill>
+                  <a:srgbClr val="000000"/>
+                </a:solidFill>
+                <a:latin typeface="新宋体" panose="02010609030101010101" pitchFamily="49" charset="-122"/>
+                <a:ea typeface="新宋体" panose="02010609030101010101" pitchFamily="49" charset="-122"/>
+              </a:rPr>
+              <a:t>)</a:t>
+            </a:r>
+          </a:p>
+          <a:p>
+            <a:r>
+              <a:rPr lang="zh-CN" altLang="en-US" sz="1050" dirty="0">
+                <a:solidFill>
+                  <a:srgbClr val="000000"/>
+                </a:solidFill>
+                <a:latin typeface="新宋体" panose="02010609030101010101" pitchFamily="49" charset="-122"/>
+                <a:ea typeface="新宋体" panose="02010609030101010101" pitchFamily="49" charset="-122"/>
+              </a:rPr>
+              <a:t>                </a:t>
+            </a:r>
+            <a:r>
+              <a:rPr lang="en-US" altLang="zh-CN" sz="1050" dirty="0">
+                <a:solidFill>
+                  <a:srgbClr val="000000"/>
+                </a:solidFill>
+                <a:latin typeface="新宋体" panose="02010609030101010101" pitchFamily="49" charset="-122"/>
+                <a:ea typeface="新宋体" panose="02010609030101010101" pitchFamily="49" charset="-122"/>
+              </a:rPr>
+              <a:t>{</a:t>
+            </a:r>
+          </a:p>
+          <a:p>
+            <a:r>
+              <a:rPr lang="en-US" altLang="zh-CN" sz="1050" dirty="0">
+                <a:solidFill>
+                  <a:srgbClr val="000000"/>
+                </a:solidFill>
+                <a:latin typeface="新宋体" panose="02010609030101010101" pitchFamily="49" charset="-122"/>
+                <a:ea typeface="新宋体" panose="02010609030101010101" pitchFamily="49" charset="-122"/>
+              </a:rPr>
+              <a:t>                    </a:t>
+            </a:r>
+            <a:r>
+              <a:rPr lang="en-US" altLang="zh-CN" sz="1050" dirty="0" err="1">
+                <a:solidFill>
+                  <a:srgbClr val="000000"/>
+                </a:solidFill>
+                <a:latin typeface="新宋体" panose="02010609030101010101" pitchFamily="49" charset="-122"/>
+                <a:ea typeface="新宋体" panose="02010609030101010101" pitchFamily="49" charset="-122"/>
+              </a:rPr>
+              <a:t>ShowMatch</a:t>
+            </a:r>
+            <a:r>
+              <a:rPr lang="en-US" altLang="zh-CN" sz="1050" dirty="0">
+                <a:solidFill>
+                  <a:srgbClr val="000000"/>
+                </a:solidFill>
+                <a:latin typeface="新宋体" panose="02010609030101010101" pitchFamily="49" charset="-122"/>
+                <a:ea typeface="新宋体" panose="02010609030101010101" pitchFamily="49" charset="-122"/>
+              </a:rPr>
+              <a:t>(</a:t>
+            </a:r>
+            <a:r>
+              <a:rPr lang="en-US" altLang="zh-CN" sz="1050" dirty="0" err="1">
+                <a:solidFill>
+                  <a:srgbClr val="000000"/>
+                </a:solidFill>
+                <a:latin typeface="新宋体" panose="02010609030101010101" pitchFamily="49" charset="-122"/>
+                <a:ea typeface="新宋体" panose="02010609030101010101" pitchFamily="49" charset="-122"/>
+              </a:rPr>
+              <a:t>aMatch</a:t>
+            </a:r>
+            <a:r>
+              <a:rPr lang="en-US" altLang="zh-CN" sz="1050" dirty="0">
+                <a:solidFill>
+                  <a:srgbClr val="000000"/>
+                </a:solidFill>
+                <a:latin typeface="新宋体" panose="02010609030101010101" pitchFamily="49" charset="-122"/>
+                <a:ea typeface="新宋体" panose="02010609030101010101" pitchFamily="49" charset="-122"/>
+              </a:rPr>
+              <a:t>);</a:t>
+            </a:r>
+          </a:p>
+          <a:p>
+            <a:r>
+              <a:rPr lang="zh-CN" altLang="en-US" sz="1050" dirty="0">
+                <a:solidFill>
+                  <a:srgbClr val="000000"/>
+                </a:solidFill>
+                <a:latin typeface="新宋体" panose="02010609030101010101" pitchFamily="49" charset="-122"/>
+                <a:ea typeface="新宋体" panose="02010609030101010101" pitchFamily="49" charset="-122"/>
+              </a:rPr>
+              <a:t>                </a:t>
+            </a:r>
+            <a:r>
+              <a:rPr lang="en-US" altLang="zh-CN" sz="1050" dirty="0">
+                <a:solidFill>
+                  <a:srgbClr val="000000"/>
+                </a:solidFill>
+                <a:latin typeface="新宋体" panose="02010609030101010101" pitchFamily="49" charset="-122"/>
+                <a:ea typeface="新宋体" panose="02010609030101010101" pitchFamily="49" charset="-122"/>
+              </a:rPr>
+              <a:t>}</a:t>
+            </a:r>
+          </a:p>
+          <a:p>
+            <a:r>
+              <a:rPr lang="zh-CN" altLang="en-US" sz="1050" dirty="0">
+                <a:solidFill>
+                  <a:srgbClr val="000000"/>
+                </a:solidFill>
+                <a:latin typeface="新宋体" panose="02010609030101010101" pitchFamily="49" charset="-122"/>
+                <a:ea typeface="新宋体" panose="02010609030101010101" pitchFamily="49" charset="-122"/>
+              </a:rPr>
+              <a:t>            </a:t>
+            </a:r>
+            <a:r>
+              <a:rPr lang="en-US" altLang="zh-CN" sz="1050" dirty="0">
+                <a:solidFill>
+                  <a:srgbClr val="000000"/>
+                </a:solidFill>
+                <a:latin typeface="新宋体" panose="02010609030101010101" pitchFamily="49" charset="-122"/>
+                <a:ea typeface="新宋体" panose="02010609030101010101" pitchFamily="49" charset="-122"/>
+              </a:rPr>
+              <a:t>}</a:t>
+            </a:r>
+          </a:p>
+          <a:p>
+            <a:r>
+              <a:rPr lang="en-US" altLang="zh-CN" sz="1050" dirty="0">
+                <a:solidFill>
+                  <a:srgbClr val="000000"/>
+                </a:solidFill>
+                <a:latin typeface="新宋体" panose="02010609030101010101" pitchFamily="49" charset="-122"/>
+                <a:ea typeface="新宋体" panose="02010609030101010101" pitchFamily="49" charset="-122"/>
+              </a:rPr>
+              <a:t>            </a:t>
+            </a:r>
+            <a:r>
+              <a:rPr lang="en-US" altLang="zh-CN" sz="1050" dirty="0" err="1">
+                <a:solidFill>
+                  <a:srgbClr val="000000"/>
+                </a:solidFill>
+                <a:latin typeface="新宋体" panose="02010609030101010101" pitchFamily="49" charset="-122"/>
+                <a:ea typeface="新宋体" panose="02010609030101010101" pitchFamily="49" charset="-122"/>
+              </a:rPr>
+              <a:t>Console.WriteLine</a:t>
+            </a:r>
+            <a:r>
+              <a:rPr lang="en-US" altLang="zh-CN" sz="1050" dirty="0">
+                <a:solidFill>
+                  <a:srgbClr val="000000"/>
+                </a:solidFill>
+                <a:latin typeface="新宋体" panose="02010609030101010101" pitchFamily="49" charset="-122"/>
+                <a:ea typeface="新宋体" panose="02010609030101010101" pitchFamily="49" charset="-122"/>
+              </a:rPr>
+              <a:t>(</a:t>
+            </a:r>
+            <a:r>
+              <a:rPr lang="en-US" altLang="zh-CN" sz="1050" dirty="0">
+                <a:solidFill>
+                  <a:srgbClr val="A31515"/>
+                </a:solidFill>
+                <a:latin typeface="新宋体" panose="02010609030101010101" pitchFamily="49" charset="-122"/>
+                <a:ea typeface="新宋体" panose="02010609030101010101" pitchFamily="49" charset="-122"/>
+              </a:rPr>
+              <a:t>"Press RETURN to exit..."</a:t>
+            </a:r>
+            <a:r>
+              <a:rPr lang="en-US" altLang="zh-CN" sz="1050" dirty="0">
+                <a:solidFill>
+                  <a:srgbClr val="000000"/>
+                </a:solidFill>
+                <a:latin typeface="新宋体" panose="02010609030101010101" pitchFamily="49" charset="-122"/>
+                <a:ea typeface="新宋体" panose="02010609030101010101" pitchFamily="49" charset="-122"/>
+              </a:rPr>
+              <a:t>);</a:t>
+            </a:r>
+          </a:p>
+          <a:p>
+            <a:r>
+              <a:rPr lang="en-US" altLang="zh-CN" sz="1050" dirty="0">
+                <a:solidFill>
+                  <a:srgbClr val="000000"/>
+                </a:solidFill>
+                <a:latin typeface="新宋体" panose="02010609030101010101" pitchFamily="49" charset="-122"/>
+                <a:ea typeface="新宋体" panose="02010609030101010101" pitchFamily="49" charset="-122"/>
+              </a:rPr>
+              <a:t>            </a:t>
+            </a:r>
+            <a:r>
+              <a:rPr lang="en-US" altLang="zh-CN" sz="1050" dirty="0" err="1">
+                <a:solidFill>
+                  <a:srgbClr val="000000"/>
+                </a:solidFill>
+                <a:latin typeface="新宋体" panose="02010609030101010101" pitchFamily="49" charset="-122"/>
+                <a:ea typeface="新宋体" panose="02010609030101010101" pitchFamily="49" charset="-122"/>
+              </a:rPr>
+              <a:t>Console.ReadLine</a:t>
+            </a:r>
+            <a:r>
+              <a:rPr lang="en-US" altLang="zh-CN" sz="1050" dirty="0">
+                <a:solidFill>
+                  <a:srgbClr val="000000"/>
+                </a:solidFill>
+                <a:latin typeface="新宋体" panose="02010609030101010101" pitchFamily="49" charset="-122"/>
+                <a:ea typeface="新宋体" panose="02010609030101010101" pitchFamily="49" charset="-122"/>
+              </a:rPr>
+              <a:t>();</a:t>
+            </a:r>
+          </a:p>
+          <a:p>
+            <a:r>
+              <a:rPr lang="zh-CN" altLang="en-US" sz="1050" dirty="0">
+                <a:solidFill>
+                  <a:srgbClr val="000000"/>
+                </a:solidFill>
+                <a:latin typeface="新宋体" panose="02010609030101010101" pitchFamily="49" charset="-122"/>
+                <a:ea typeface="新宋体" panose="02010609030101010101" pitchFamily="49" charset="-122"/>
+              </a:rPr>
+              <a:t>        </a:t>
+            </a:r>
+            <a:r>
+              <a:rPr lang="en-US" altLang="zh-CN" sz="1050" dirty="0">
+                <a:solidFill>
+                  <a:srgbClr val="000000"/>
+                </a:solidFill>
+                <a:latin typeface="新宋体" panose="02010609030101010101" pitchFamily="49" charset="-122"/>
+                <a:ea typeface="新宋体" panose="02010609030101010101" pitchFamily="49" charset="-122"/>
+              </a:rPr>
+              <a:t>}</a:t>
+            </a:r>
+          </a:p>
+          <a:p>
+            <a:r>
+              <a:rPr lang="en-US" altLang="zh-CN" sz="1050" dirty="0">
+                <a:solidFill>
+                  <a:srgbClr val="000000"/>
+                </a:solidFill>
+                <a:latin typeface="新宋体" panose="02010609030101010101" pitchFamily="49" charset="-122"/>
+                <a:ea typeface="新宋体" panose="02010609030101010101" pitchFamily="49" charset="-122"/>
+              </a:rPr>
+              <a:t>        </a:t>
+            </a:r>
+            <a:r>
+              <a:rPr lang="en-US" altLang="zh-CN" sz="1050" dirty="0">
+                <a:solidFill>
+                  <a:srgbClr val="0000FF"/>
+                </a:solidFill>
+                <a:latin typeface="新宋体" panose="02010609030101010101" pitchFamily="49" charset="-122"/>
+                <a:ea typeface="新宋体" panose="02010609030101010101" pitchFamily="49" charset="-122"/>
+              </a:rPr>
+              <a:t>private</a:t>
+            </a:r>
+            <a:r>
+              <a:rPr lang="en-US" altLang="zh-CN" sz="1050" dirty="0">
+                <a:solidFill>
+                  <a:srgbClr val="000000"/>
+                </a:solidFill>
+                <a:latin typeface="新宋体" panose="02010609030101010101" pitchFamily="49" charset="-122"/>
+                <a:ea typeface="新宋体" panose="02010609030101010101" pitchFamily="49" charset="-122"/>
+              </a:rPr>
+              <a:t> </a:t>
+            </a:r>
+            <a:r>
+              <a:rPr lang="en-US" altLang="zh-CN" sz="1050" dirty="0">
+                <a:solidFill>
+                  <a:srgbClr val="0000FF"/>
+                </a:solidFill>
+                <a:latin typeface="新宋体" panose="02010609030101010101" pitchFamily="49" charset="-122"/>
+                <a:ea typeface="新宋体" panose="02010609030101010101" pitchFamily="49" charset="-122"/>
+              </a:rPr>
+              <a:t>static</a:t>
+            </a:r>
+            <a:r>
+              <a:rPr lang="en-US" altLang="zh-CN" sz="1050" dirty="0">
+                <a:solidFill>
+                  <a:srgbClr val="000000"/>
+                </a:solidFill>
+                <a:latin typeface="新宋体" panose="02010609030101010101" pitchFamily="49" charset="-122"/>
+                <a:ea typeface="新宋体" panose="02010609030101010101" pitchFamily="49" charset="-122"/>
+              </a:rPr>
+              <a:t> </a:t>
+            </a:r>
+            <a:r>
+              <a:rPr lang="en-US" altLang="zh-CN" sz="1050" dirty="0">
+                <a:solidFill>
+                  <a:srgbClr val="0000FF"/>
+                </a:solidFill>
+                <a:latin typeface="新宋体" panose="02010609030101010101" pitchFamily="49" charset="-122"/>
+                <a:ea typeface="新宋体" panose="02010609030101010101" pitchFamily="49" charset="-122"/>
+              </a:rPr>
+              <a:t>void</a:t>
+            </a:r>
+            <a:r>
+              <a:rPr lang="en-US" altLang="zh-CN" sz="1050" dirty="0">
+                <a:solidFill>
+                  <a:srgbClr val="000000"/>
+                </a:solidFill>
+                <a:latin typeface="新宋体" panose="02010609030101010101" pitchFamily="49" charset="-122"/>
+                <a:ea typeface="新宋体" panose="02010609030101010101" pitchFamily="49" charset="-122"/>
+              </a:rPr>
+              <a:t> </a:t>
+            </a:r>
+            <a:r>
+              <a:rPr lang="en-US" altLang="zh-CN" sz="1050" dirty="0" err="1">
+                <a:solidFill>
+                  <a:srgbClr val="000000"/>
+                </a:solidFill>
+                <a:latin typeface="新宋体" panose="02010609030101010101" pitchFamily="49" charset="-122"/>
+                <a:ea typeface="新宋体" panose="02010609030101010101" pitchFamily="49" charset="-122"/>
+              </a:rPr>
+              <a:t>ShowMatch</a:t>
+            </a:r>
+            <a:r>
+              <a:rPr lang="en-US" altLang="zh-CN" sz="1050" dirty="0">
+                <a:solidFill>
+                  <a:srgbClr val="000000"/>
+                </a:solidFill>
+                <a:latin typeface="新宋体" panose="02010609030101010101" pitchFamily="49" charset="-122"/>
+                <a:ea typeface="新宋体" panose="02010609030101010101" pitchFamily="49" charset="-122"/>
+              </a:rPr>
+              <a:t>(Match </a:t>
+            </a:r>
+            <a:r>
+              <a:rPr lang="en-US" altLang="zh-CN" sz="1050" dirty="0" err="1">
+                <a:solidFill>
+                  <a:srgbClr val="000000"/>
+                </a:solidFill>
+                <a:latin typeface="新宋体" panose="02010609030101010101" pitchFamily="49" charset="-122"/>
+                <a:ea typeface="新宋体" panose="02010609030101010101" pitchFamily="49" charset="-122"/>
+              </a:rPr>
+              <a:t>aMatch</a:t>
+            </a:r>
+            <a:r>
+              <a:rPr lang="en-US" altLang="zh-CN" sz="1050" dirty="0">
+                <a:solidFill>
+                  <a:srgbClr val="000000"/>
+                </a:solidFill>
+                <a:latin typeface="新宋体" panose="02010609030101010101" pitchFamily="49" charset="-122"/>
+                <a:ea typeface="新宋体" panose="02010609030101010101" pitchFamily="49" charset="-122"/>
+              </a:rPr>
+              <a:t>)</a:t>
+            </a:r>
+          </a:p>
+          <a:p>
+            <a:r>
+              <a:rPr lang="zh-CN" altLang="en-US" sz="1050" dirty="0">
+                <a:solidFill>
+                  <a:srgbClr val="000000"/>
+                </a:solidFill>
+                <a:latin typeface="新宋体" panose="02010609030101010101" pitchFamily="49" charset="-122"/>
+                <a:ea typeface="新宋体" panose="02010609030101010101" pitchFamily="49" charset="-122"/>
+              </a:rPr>
+              <a:t>        </a:t>
+            </a:r>
+            <a:r>
+              <a:rPr lang="en-US" altLang="zh-CN" sz="1050" dirty="0">
+                <a:solidFill>
+                  <a:srgbClr val="000000"/>
+                </a:solidFill>
+                <a:latin typeface="新宋体" panose="02010609030101010101" pitchFamily="49" charset="-122"/>
+                <a:ea typeface="新宋体" panose="02010609030101010101" pitchFamily="49" charset="-122"/>
+              </a:rPr>
+              <a:t>{</a:t>
+            </a:r>
+          </a:p>
+          <a:p>
+            <a:r>
+              <a:rPr lang="zh-CN" altLang="en-US" sz="1050" dirty="0">
+                <a:solidFill>
+                  <a:srgbClr val="000000"/>
+                </a:solidFill>
+                <a:latin typeface="新宋体" panose="02010609030101010101" pitchFamily="49" charset="-122"/>
+                <a:ea typeface="新宋体" panose="02010609030101010101" pitchFamily="49" charset="-122"/>
+              </a:rPr>
+              <a:t>            </a:t>
+            </a:r>
+            <a:r>
+              <a:rPr lang="en-US" altLang="zh-CN" sz="1050" dirty="0">
+                <a:solidFill>
+                  <a:srgbClr val="008000"/>
+                </a:solidFill>
+                <a:latin typeface="新宋体" panose="02010609030101010101" pitchFamily="49" charset="-122"/>
+                <a:ea typeface="新宋体" panose="02010609030101010101" pitchFamily="49" charset="-122"/>
+              </a:rPr>
+              <a:t>// </a:t>
+            </a:r>
+            <a:r>
+              <a:rPr lang="zh-CN" altLang="en-US" sz="1050" dirty="0">
+                <a:solidFill>
+                  <a:srgbClr val="008000"/>
+                </a:solidFill>
+                <a:latin typeface="新宋体" panose="02010609030101010101" pitchFamily="49" charset="-122"/>
+                <a:ea typeface="新宋体" panose="02010609030101010101" pitchFamily="49" charset="-122"/>
+              </a:rPr>
+              <a:t>整体提取</a:t>
+            </a:r>
+            <a:endParaRPr lang="zh-CN" altLang="en-US" sz="1050" dirty="0">
+              <a:solidFill>
+                <a:srgbClr val="000000"/>
+              </a:solidFill>
+              <a:latin typeface="新宋体" panose="02010609030101010101" pitchFamily="49" charset="-122"/>
+              <a:ea typeface="新宋体" panose="02010609030101010101" pitchFamily="49" charset="-122"/>
+            </a:endParaRPr>
+          </a:p>
+          <a:p>
+            <a:r>
+              <a:rPr lang="en-US" altLang="zh-CN" sz="1050" dirty="0">
+                <a:solidFill>
+                  <a:srgbClr val="000000"/>
+                </a:solidFill>
+                <a:latin typeface="新宋体" panose="02010609030101010101" pitchFamily="49" charset="-122"/>
+                <a:ea typeface="新宋体" panose="02010609030101010101" pitchFamily="49" charset="-122"/>
+              </a:rPr>
+              <a:t>            </a:t>
+            </a:r>
+            <a:r>
+              <a:rPr lang="en-US" altLang="zh-CN" sz="1050" dirty="0">
+                <a:solidFill>
+                  <a:srgbClr val="0000FF"/>
+                </a:solidFill>
+                <a:latin typeface="新宋体" panose="02010609030101010101" pitchFamily="49" charset="-122"/>
+                <a:ea typeface="新宋体" panose="02010609030101010101" pitchFamily="49" charset="-122"/>
+              </a:rPr>
+              <a:t>if</a:t>
+            </a:r>
+            <a:r>
+              <a:rPr lang="en-US" altLang="zh-CN" sz="1050" dirty="0">
+                <a:solidFill>
+                  <a:srgbClr val="000000"/>
+                </a:solidFill>
+                <a:latin typeface="新宋体" panose="02010609030101010101" pitchFamily="49" charset="-122"/>
+                <a:ea typeface="新宋体" panose="02010609030101010101" pitchFamily="49" charset="-122"/>
+              </a:rPr>
+              <a:t> (</a:t>
+            </a:r>
+            <a:r>
+              <a:rPr lang="en-US" altLang="zh-CN" sz="1050" dirty="0" err="1">
+                <a:solidFill>
+                  <a:srgbClr val="000000"/>
+                </a:solidFill>
+                <a:latin typeface="新宋体" panose="02010609030101010101" pitchFamily="49" charset="-122"/>
+                <a:ea typeface="新宋体" panose="02010609030101010101" pitchFamily="49" charset="-122"/>
+              </a:rPr>
+              <a:t>aMatch.Success</a:t>
+            </a:r>
+            <a:r>
+              <a:rPr lang="en-US" altLang="zh-CN" sz="1050" dirty="0">
+                <a:solidFill>
+                  <a:srgbClr val="000000"/>
+                </a:solidFill>
+                <a:latin typeface="新宋体" panose="02010609030101010101" pitchFamily="49" charset="-122"/>
+                <a:ea typeface="新宋体" panose="02010609030101010101" pitchFamily="49" charset="-122"/>
+              </a:rPr>
+              <a:t>)</a:t>
+            </a:r>
+          </a:p>
+          <a:p>
+            <a:r>
+              <a:rPr lang="en-US" altLang="zh-CN" sz="1050" dirty="0">
+                <a:solidFill>
+                  <a:srgbClr val="000000"/>
+                </a:solidFill>
+                <a:latin typeface="新宋体" panose="02010609030101010101" pitchFamily="49" charset="-122"/>
+                <a:ea typeface="新宋体" panose="02010609030101010101" pitchFamily="49" charset="-122"/>
+              </a:rPr>
+              <a:t>                </a:t>
+            </a:r>
+            <a:r>
+              <a:rPr lang="en-US" altLang="zh-CN" sz="1050" dirty="0" err="1">
+                <a:solidFill>
+                  <a:srgbClr val="000000"/>
+                </a:solidFill>
+                <a:latin typeface="新宋体" panose="02010609030101010101" pitchFamily="49" charset="-122"/>
+                <a:ea typeface="新宋体" panose="02010609030101010101" pitchFamily="49" charset="-122"/>
+              </a:rPr>
+              <a:t>Console.WriteLine</a:t>
+            </a:r>
+            <a:r>
+              <a:rPr lang="en-US" altLang="zh-CN" sz="1050" dirty="0">
+                <a:solidFill>
+                  <a:srgbClr val="000000"/>
+                </a:solidFill>
+                <a:latin typeface="新宋体" panose="02010609030101010101" pitchFamily="49" charset="-122"/>
+                <a:ea typeface="新宋体" panose="02010609030101010101" pitchFamily="49" charset="-122"/>
+              </a:rPr>
+              <a:t>(</a:t>
+            </a:r>
+            <a:r>
+              <a:rPr lang="en-US" altLang="zh-CN" sz="1050" dirty="0">
+                <a:solidFill>
+                  <a:srgbClr val="A31515"/>
+                </a:solidFill>
+                <a:latin typeface="新宋体" panose="02010609030101010101" pitchFamily="49" charset="-122"/>
+                <a:ea typeface="新宋体" panose="02010609030101010101" pitchFamily="49" charset="-122"/>
+              </a:rPr>
+              <a:t>$"</a:t>
+            </a:r>
+            <a:r>
+              <a:rPr lang="zh-CN" altLang="en-US" sz="1050" dirty="0">
+                <a:solidFill>
+                  <a:srgbClr val="A31515"/>
+                </a:solidFill>
+                <a:latin typeface="新宋体" panose="02010609030101010101" pitchFamily="49" charset="-122"/>
+                <a:ea typeface="新宋体" panose="02010609030101010101" pitchFamily="49" charset="-122"/>
+              </a:rPr>
+              <a:t>匹配结果：</a:t>
+            </a:r>
+            <a:r>
+              <a:rPr lang="en-US" altLang="zh-CN" sz="1050" dirty="0">
+                <a:solidFill>
+                  <a:srgbClr val="000000"/>
+                </a:solidFill>
+                <a:latin typeface="新宋体" panose="02010609030101010101" pitchFamily="49" charset="-122"/>
+                <a:ea typeface="新宋体" panose="02010609030101010101" pitchFamily="49" charset="-122"/>
+              </a:rPr>
+              <a:t>{</a:t>
+            </a:r>
+            <a:r>
+              <a:rPr lang="en-US" altLang="zh-CN" sz="1050" dirty="0" err="1">
+                <a:solidFill>
+                  <a:srgbClr val="000000"/>
+                </a:solidFill>
+                <a:latin typeface="新宋体" panose="02010609030101010101" pitchFamily="49" charset="-122"/>
+                <a:ea typeface="新宋体" panose="02010609030101010101" pitchFamily="49" charset="-122"/>
+              </a:rPr>
+              <a:t>aMatch.Value</a:t>
+            </a:r>
+            <a:r>
+              <a:rPr lang="en-US" altLang="zh-CN" sz="1050" dirty="0">
+                <a:solidFill>
+                  <a:srgbClr val="000000"/>
+                </a:solidFill>
+                <a:latin typeface="新宋体" panose="02010609030101010101" pitchFamily="49" charset="-122"/>
+                <a:ea typeface="新宋体" panose="02010609030101010101" pitchFamily="49" charset="-122"/>
+              </a:rPr>
+              <a:t>}</a:t>
+            </a:r>
+            <a:r>
+              <a:rPr lang="en-US" altLang="zh-CN" sz="1050" dirty="0">
+                <a:solidFill>
+                  <a:srgbClr val="A31515"/>
+                </a:solidFill>
+                <a:latin typeface="新宋体" panose="02010609030101010101" pitchFamily="49" charset="-122"/>
+                <a:ea typeface="新宋体" panose="02010609030101010101" pitchFamily="49" charset="-122"/>
+              </a:rPr>
+              <a:t>"</a:t>
+            </a:r>
+            <a:r>
+              <a:rPr lang="en-US" altLang="zh-CN" sz="1050" dirty="0">
+                <a:solidFill>
+                  <a:srgbClr val="000000"/>
+                </a:solidFill>
+                <a:latin typeface="新宋体" panose="02010609030101010101" pitchFamily="49" charset="-122"/>
+                <a:ea typeface="新宋体" panose="02010609030101010101" pitchFamily="49" charset="-122"/>
+              </a:rPr>
+              <a:t>);</a:t>
+            </a:r>
+          </a:p>
+          <a:p>
+            <a:endParaRPr lang="zh-CN" altLang="en-US" sz="1050" dirty="0">
+              <a:solidFill>
+                <a:srgbClr val="000000"/>
+              </a:solidFill>
+              <a:latin typeface="新宋体" panose="02010609030101010101" pitchFamily="49" charset="-122"/>
+              <a:ea typeface="新宋体" panose="02010609030101010101" pitchFamily="49" charset="-122"/>
+            </a:endParaRPr>
+          </a:p>
+          <a:p>
+            <a:r>
+              <a:rPr lang="zh-CN" altLang="en-US" sz="1050" dirty="0">
+                <a:solidFill>
+                  <a:srgbClr val="000000"/>
+                </a:solidFill>
+                <a:latin typeface="新宋体" panose="02010609030101010101" pitchFamily="49" charset="-122"/>
+                <a:ea typeface="新宋体" panose="02010609030101010101" pitchFamily="49" charset="-122"/>
+              </a:rPr>
+              <a:t>            </a:t>
+            </a:r>
+            <a:r>
+              <a:rPr lang="en-US" altLang="zh-CN" sz="1050" dirty="0">
+                <a:solidFill>
+                  <a:srgbClr val="008000"/>
+                </a:solidFill>
+                <a:latin typeface="新宋体" panose="02010609030101010101" pitchFamily="49" charset="-122"/>
+                <a:ea typeface="新宋体" panose="02010609030101010101" pitchFamily="49" charset="-122"/>
+              </a:rPr>
+              <a:t>// </a:t>
+            </a:r>
+            <a:r>
+              <a:rPr lang="zh-CN" altLang="en-US" sz="1050" dirty="0">
+                <a:solidFill>
+                  <a:srgbClr val="008000"/>
+                </a:solidFill>
+                <a:latin typeface="新宋体" panose="02010609030101010101" pitchFamily="49" charset="-122"/>
+                <a:ea typeface="新宋体" panose="02010609030101010101" pitchFamily="49" charset="-122"/>
+              </a:rPr>
+              <a:t>局部提取</a:t>
+            </a:r>
+            <a:endParaRPr lang="zh-CN" altLang="en-US" sz="1050" dirty="0">
+              <a:solidFill>
+                <a:srgbClr val="000000"/>
+              </a:solidFill>
+              <a:latin typeface="新宋体" panose="02010609030101010101" pitchFamily="49" charset="-122"/>
+              <a:ea typeface="新宋体" panose="02010609030101010101" pitchFamily="49" charset="-122"/>
+            </a:endParaRPr>
+          </a:p>
+          <a:p>
+            <a:r>
+              <a:rPr lang="en-US" altLang="zh-CN" sz="1050" dirty="0">
+                <a:solidFill>
+                  <a:srgbClr val="000000"/>
+                </a:solidFill>
+                <a:latin typeface="新宋体" panose="02010609030101010101" pitchFamily="49" charset="-122"/>
+                <a:ea typeface="新宋体" panose="02010609030101010101" pitchFamily="49" charset="-122"/>
+              </a:rPr>
+              <a:t>            </a:t>
+            </a:r>
+            <a:r>
+              <a:rPr lang="en-US" altLang="zh-CN" sz="1050" dirty="0">
+                <a:solidFill>
+                  <a:srgbClr val="0000FF"/>
+                </a:solidFill>
+                <a:latin typeface="新宋体" panose="02010609030101010101" pitchFamily="49" charset="-122"/>
+                <a:ea typeface="新宋体" panose="02010609030101010101" pitchFamily="49" charset="-122"/>
+              </a:rPr>
+              <a:t>foreach</a:t>
+            </a:r>
+            <a:r>
+              <a:rPr lang="en-US" altLang="zh-CN" sz="1050" dirty="0">
+                <a:solidFill>
+                  <a:srgbClr val="000000"/>
+                </a:solidFill>
+                <a:latin typeface="新宋体" panose="02010609030101010101" pitchFamily="49" charset="-122"/>
+                <a:ea typeface="新宋体" panose="02010609030101010101" pitchFamily="49" charset="-122"/>
+              </a:rPr>
+              <a:t> (Group </a:t>
+            </a:r>
+            <a:r>
+              <a:rPr lang="en-US" altLang="zh-CN" sz="1050" dirty="0" err="1">
+                <a:solidFill>
+                  <a:srgbClr val="000000"/>
+                </a:solidFill>
+                <a:latin typeface="新宋体" panose="02010609030101010101" pitchFamily="49" charset="-122"/>
+                <a:ea typeface="新宋体" panose="02010609030101010101" pitchFamily="49" charset="-122"/>
+              </a:rPr>
+              <a:t>aGroup</a:t>
+            </a:r>
+            <a:r>
+              <a:rPr lang="en-US" altLang="zh-CN" sz="1050" dirty="0">
+                <a:solidFill>
+                  <a:srgbClr val="000000"/>
+                </a:solidFill>
+                <a:latin typeface="新宋体" panose="02010609030101010101" pitchFamily="49" charset="-122"/>
+                <a:ea typeface="新宋体" panose="02010609030101010101" pitchFamily="49" charset="-122"/>
+              </a:rPr>
+              <a:t> </a:t>
+            </a:r>
+            <a:r>
+              <a:rPr lang="en-US" altLang="zh-CN" sz="1050" dirty="0">
+                <a:solidFill>
+                  <a:srgbClr val="0000FF"/>
+                </a:solidFill>
+                <a:latin typeface="新宋体" panose="02010609030101010101" pitchFamily="49" charset="-122"/>
+                <a:ea typeface="新宋体" panose="02010609030101010101" pitchFamily="49" charset="-122"/>
+              </a:rPr>
+              <a:t>in</a:t>
+            </a:r>
+            <a:r>
+              <a:rPr lang="en-US" altLang="zh-CN" sz="1050" dirty="0">
+                <a:solidFill>
+                  <a:srgbClr val="000000"/>
+                </a:solidFill>
+                <a:latin typeface="新宋体" panose="02010609030101010101" pitchFamily="49" charset="-122"/>
+                <a:ea typeface="新宋体" panose="02010609030101010101" pitchFamily="49" charset="-122"/>
+              </a:rPr>
+              <a:t> </a:t>
+            </a:r>
+            <a:r>
+              <a:rPr lang="en-US" altLang="zh-CN" sz="1050" dirty="0" err="1">
+                <a:solidFill>
+                  <a:srgbClr val="000000"/>
+                </a:solidFill>
+                <a:latin typeface="新宋体" panose="02010609030101010101" pitchFamily="49" charset="-122"/>
+                <a:ea typeface="新宋体" panose="02010609030101010101" pitchFamily="49" charset="-122"/>
+              </a:rPr>
+              <a:t>aMatch.Groups</a:t>
+            </a:r>
+            <a:r>
+              <a:rPr lang="en-US" altLang="zh-CN" sz="1050" dirty="0">
+                <a:solidFill>
+                  <a:srgbClr val="000000"/>
+                </a:solidFill>
+                <a:latin typeface="新宋体" panose="02010609030101010101" pitchFamily="49" charset="-122"/>
+                <a:ea typeface="新宋体" panose="02010609030101010101" pitchFamily="49" charset="-122"/>
+              </a:rPr>
+              <a:t>)</a:t>
+            </a:r>
+          </a:p>
+          <a:p>
+            <a:r>
+              <a:rPr lang="zh-CN" altLang="en-US" sz="1050" dirty="0">
+                <a:solidFill>
+                  <a:srgbClr val="000000"/>
+                </a:solidFill>
+                <a:latin typeface="新宋体" panose="02010609030101010101" pitchFamily="49" charset="-122"/>
+                <a:ea typeface="新宋体" panose="02010609030101010101" pitchFamily="49" charset="-122"/>
+              </a:rPr>
+              <a:t>            </a:t>
+            </a:r>
+            <a:r>
+              <a:rPr lang="en-US" altLang="zh-CN" sz="1050" dirty="0">
+                <a:solidFill>
+                  <a:srgbClr val="000000"/>
+                </a:solidFill>
+                <a:latin typeface="新宋体" panose="02010609030101010101" pitchFamily="49" charset="-122"/>
+                <a:ea typeface="新宋体" panose="02010609030101010101" pitchFamily="49" charset="-122"/>
+              </a:rPr>
+              <a:t>{</a:t>
+            </a:r>
+          </a:p>
+          <a:p>
+            <a:r>
+              <a:rPr lang="en-US" altLang="zh-CN" sz="1050" dirty="0">
+                <a:solidFill>
+                  <a:srgbClr val="000000"/>
+                </a:solidFill>
+                <a:latin typeface="新宋体" panose="02010609030101010101" pitchFamily="49" charset="-122"/>
+                <a:ea typeface="新宋体" panose="02010609030101010101" pitchFamily="49" charset="-122"/>
+              </a:rPr>
+              <a:t>                </a:t>
+            </a:r>
+            <a:r>
+              <a:rPr lang="en-US" altLang="zh-CN" sz="1050" dirty="0" err="1">
+                <a:solidFill>
+                  <a:srgbClr val="000000"/>
+                </a:solidFill>
+                <a:latin typeface="新宋体" panose="02010609030101010101" pitchFamily="49" charset="-122"/>
+                <a:ea typeface="新宋体" panose="02010609030101010101" pitchFamily="49" charset="-122"/>
+              </a:rPr>
+              <a:t>Console.WriteLine</a:t>
+            </a:r>
+            <a:r>
+              <a:rPr lang="en-US" altLang="zh-CN" sz="1050" dirty="0">
+                <a:solidFill>
+                  <a:srgbClr val="000000"/>
+                </a:solidFill>
+                <a:latin typeface="新宋体" panose="02010609030101010101" pitchFamily="49" charset="-122"/>
+                <a:ea typeface="新宋体" panose="02010609030101010101" pitchFamily="49" charset="-122"/>
+              </a:rPr>
+              <a:t>(</a:t>
+            </a:r>
+            <a:r>
+              <a:rPr lang="en-US" altLang="zh-CN" sz="1050" dirty="0">
+                <a:solidFill>
+                  <a:srgbClr val="A31515"/>
+                </a:solidFill>
+                <a:latin typeface="新宋体" panose="02010609030101010101" pitchFamily="49" charset="-122"/>
+                <a:ea typeface="新宋体" panose="02010609030101010101" pitchFamily="49" charset="-122"/>
+              </a:rPr>
+              <a:t>$"    Group: </a:t>
+            </a:r>
+            <a:r>
+              <a:rPr lang="en-US" altLang="zh-CN" sz="1050" dirty="0">
+                <a:solidFill>
+                  <a:srgbClr val="000000"/>
+                </a:solidFill>
+                <a:latin typeface="新宋体" panose="02010609030101010101" pitchFamily="49" charset="-122"/>
+                <a:ea typeface="新宋体" panose="02010609030101010101" pitchFamily="49" charset="-122"/>
+              </a:rPr>
+              <a:t>{</a:t>
+            </a:r>
+            <a:r>
+              <a:rPr lang="en-US" altLang="zh-CN" sz="1050" dirty="0" err="1">
+                <a:solidFill>
+                  <a:srgbClr val="000000"/>
+                </a:solidFill>
+                <a:latin typeface="新宋体" panose="02010609030101010101" pitchFamily="49" charset="-122"/>
+                <a:ea typeface="新宋体" panose="02010609030101010101" pitchFamily="49" charset="-122"/>
+              </a:rPr>
+              <a:t>aGroup.Value</a:t>
+            </a:r>
+            <a:r>
+              <a:rPr lang="en-US" altLang="zh-CN" sz="1050" dirty="0">
+                <a:solidFill>
+                  <a:srgbClr val="000000"/>
+                </a:solidFill>
+                <a:latin typeface="新宋体" panose="02010609030101010101" pitchFamily="49" charset="-122"/>
+                <a:ea typeface="新宋体" panose="02010609030101010101" pitchFamily="49" charset="-122"/>
+              </a:rPr>
+              <a:t>}</a:t>
+            </a:r>
+            <a:r>
+              <a:rPr lang="en-US" altLang="zh-CN" sz="1050" dirty="0">
+                <a:solidFill>
+                  <a:srgbClr val="A31515"/>
+                </a:solidFill>
+                <a:latin typeface="新宋体" panose="02010609030101010101" pitchFamily="49" charset="-122"/>
+                <a:ea typeface="新宋体" panose="02010609030101010101" pitchFamily="49" charset="-122"/>
+              </a:rPr>
+              <a:t>"</a:t>
+            </a:r>
+            <a:r>
+              <a:rPr lang="en-US" altLang="zh-CN" sz="1050" dirty="0">
+                <a:solidFill>
+                  <a:srgbClr val="000000"/>
+                </a:solidFill>
+                <a:latin typeface="新宋体" panose="02010609030101010101" pitchFamily="49" charset="-122"/>
+                <a:ea typeface="新宋体" panose="02010609030101010101" pitchFamily="49" charset="-122"/>
+              </a:rPr>
+              <a:t>);</a:t>
+            </a:r>
+          </a:p>
+          <a:p>
+            <a:r>
+              <a:rPr lang="zh-CN" altLang="en-US" sz="1050" dirty="0">
+                <a:solidFill>
+                  <a:srgbClr val="000000"/>
+                </a:solidFill>
+                <a:latin typeface="新宋体" panose="02010609030101010101" pitchFamily="49" charset="-122"/>
+                <a:ea typeface="新宋体" panose="02010609030101010101" pitchFamily="49" charset="-122"/>
+              </a:rPr>
+              <a:t>            </a:t>
+            </a:r>
+            <a:r>
+              <a:rPr lang="en-US" altLang="zh-CN" sz="1050" dirty="0">
+                <a:solidFill>
+                  <a:srgbClr val="000000"/>
+                </a:solidFill>
+                <a:latin typeface="新宋体" panose="02010609030101010101" pitchFamily="49" charset="-122"/>
+                <a:ea typeface="新宋体" panose="02010609030101010101" pitchFamily="49" charset="-122"/>
+              </a:rPr>
+              <a:t>}</a:t>
+            </a:r>
+          </a:p>
+          <a:p>
+            <a:r>
+              <a:rPr lang="zh-CN" altLang="en-US" sz="1050" dirty="0">
+                <a:solidFill>
+                  <a:srgbClr val="000000"/>
+                </a:solidFill>
+                <a:latin typeface="新宋体" panose="02010609030101010101" pitchFamily="49" charset="-122"/>
+                <a:ea typeface="新宋体" panose="02010609030101010101" pitchFamily="49" charset="-122"/>
+              </a:rPr>
+              <a:t>        </a:t>
+            </a:r>
+            <a:r>
+              <a:rPr lang="en-US" altLang="zh-CN" sz="1050" dirty="0">
+                <a:solidFill>
+                  <a:srgbClr val="000000"/>
+                </a:solidFill>
+                <a:latin typeface="新宋体" panose="02010609030101010101" pitchFamily="49" charset="-122"/>
+                <a:ea typeface="新宋体" panose="02010609030101010101" pitchFamily="49" charset="-122"/>
+              </a:rPr>
+              <a:t>}</a:t>
+            </a:r>
+          </a:p>
+          <a:p>
+            <a:r>
+              <a:rPr lang="zh-CN" altLang="en-US" sz="1050" dirty="0">
+                <a:solidFill>
+                  <a:srgbClr val="000000"/>
+                </a:solidFill>
+                <a:latin typeface="新宋体" panose="02010609030101010101" pitchFamily="49" charset="-122"/>
+                <a:ea typeface="新宋体" panose="02010609030101010101" pitchFamily="49" charset="-122"/>
+              </a:rPr>
+              <a:t>    </a:t>
+            </a:r>
+            <a:r>
+              <a:rPr lang="en-US" altLang="zh-CN" sz="1050" dirty="0">
+                <a:solidFill>
+                  <a:srgbClr val="000000"/>
+                </a:solidFill>
+                <a:latin typeface="新宋体" panose="02010609030101010101" pitchFamily="49" charset="-122"/>
+                <a:ea typeface="新宋体" panose="02010609030101010101" pitchFamily="49" charset="-122"/>
+              </a:rPr>
+              <a:t>}</a:t>
+            </a:r>
+          </a:p>
+          <a:p>
+            <a:r>
+              <a:rPr lang="en-US" altLang="zh-CN" sz="1050" dirty="0">
+                <a:solidFill>
+                  <a:srgbClr val="000000"/>
+                </a:solidFill>
+                <a:latin typeface="新宋体" panose="02010609030101010101" pitchFamily="49" charset="-122"/>
+                <a:ea typeface="新宋体" panose="02010609030101010101" pitchFamily="49" charset="-122"/>
+              </a:rPr>
+              <a:t>}</a:t>
+            </a:r>
+            <a:endParaRPr lang="zh-CN" altLang="en-US" sz="1050" dirty="0">
+              <a:solidFill>
+                <a:srgbClr val="000000"/>
+              </a:solidFill>
+              <a:latin typeface="新宋体" panose="02010609030101010101" pitchFamily="49" charset="-122"/>
+              <a:ea typeface="新宋体" panose="02010609030101010101" pitchFamily="49" charset="-122"/>
+            </a:endParaRPr>
           </a:p>
         </p:txBody>
       </p:sp>
     </p:spTree>
     <p:extLst>
       <p:ext uri="{BB962C8B-B14F-4D97-AF65-F5344CB8AC3E}">
-        <p14:creationId xmlns:p14="http://schemas.microsoft.com/office/powerpoint/2010/main" val="1408061561"/>
+        <p14:creationId xmlns:p14="http://schemas.microsoft.com/office/powerpoint/2010/main" val="4080863387"/>
       </p:ext>
     </p:extLst>
   </p:cSld>
@@ -16843,18 +19106,17 @@
           <a:lstStyle/>
           <a:p>
             <a:r>
-              <a:rPr lang="zh-CN" altLang="en-US" dirty="0" smtClean="0"/>
+              <a:rPr lang="zh-CN" altLang="en-US" dirty="0"/>
               <a:t>练习</a:t>
             </a:r>
             <a:r>
-              <a:rPr lang="en-US" altLang="zh-CN" dirty="0" smtClean="0"/>
-              <a:t>03</a:t>
-            </a:r>
-            <a:r>
-              <a:rPr lang="zh-CN" altLang="en-US" dirty="0" smtClean="0"/>
-              <a:t>：正则表达式测试器</a:t>
-            </a:r>
-            <a:endParaRPr lang="zh-CN" altLang="en-US" dirty="0"/>
+              <a:rPr lang="en-US" altLang="zh-CN" dirty="0"/>
+              <a:t>02</a:t>
+            </a:r>
+            <a:r>
+              <a:rPr lang="zh-CN" altLang="en-US" dirty="0"/>
+              <a:t>：可筛选的文本查看器</a:t>
+            </a:r>
           </a:p>
         </p:txBody>
       </p:sp>
@@ -16874,24 +19136,23 @@
           <a:lstStyle/>
           <a:p>
             <a:r>
-              <a:rPr lang="zh-CN" altLang="en-US" dirty="0" smtClean="0"/>
-              <a:t>编写一个用于测试和验证正则表达式的程序。</a:t>
-            </a:r>
-            <a:endParaRPr lang="en-US" altLang="zh-CN" dirty="0" smtClean="0"/>
-          </a:p>
-          <a:p>
-            <a:r>
-              <a:rPr lang="zh-CN" altLang="en-US" dirty="0" smtClean="0"/>
-              <a:t>可以输入正则表达式、替换表达式和测试文本，测试正则表达式在测试文本上的匹配结果、提取结果和替换结果。</a:t>
-            </a:r>
-            <a:endParaRPr lang="zh-CN" altLang="en-US" dirty="0"/>
+              <a:rPr lang="zh-CN" altLang="en-US" dirty="0"/>
+              <a:t>编写一个文本查看程序，可以打开一个文本文件，以行为单位显示在界面上。</a:t>
+            </a:r>
+            <a:endParaRPr lang="en-US" altLang="zh-CN" dirty="0"/>
+          </a:p>
+          <a:p>
+            <a:r>
+              <a:rPr lang="zh-CN" altLang="en-US" dirty="0"/>
+              <a:t>可以指定以正则表达式方式指定筛选条件，决定要查看的内容或要屏蔽的内容。</a:t>
+            </a:r>
           </a:p>
         </p:txBody>
       </p:sp>
     </p:spTree>
     <p:extLst>
       <p:ext uri="{BB962C8B-B14F-4D97-AF65-F5344CB8AC3E}">
-        <p14:creationId xmlns:p14="http://schemas.microsoft.com/office/powerpoint/2010/main" val="1624508553"/>
+        <p14:creationId xmlns:p14="http://schemas.microsoft.com/office/powerpoint/2010/main" val="1408061561"/>
       </p:ext>
     </p:extLst>
   </p:cSld>

--- a/教案/正则表达式的应用.pptx
+++ b/教案/正则表达式的应用.pptx
@@ -318,7 +318,7 @@
             <a:fld id="{B61BEF0D-F0BB-DE4B-95CE-6DB70DBA9567}" type="datetimeFigureOut">
               <a:rPr lang="en-US" smtClean="0"/>
               <a:pPr/>
-              <a:t>12/25/2018</a:t>
+              <a:t>12/11/2020</a:t>
             </a:fld>
             <a:endParaRPr lang="en-US" dirty="0"/>
           </a:p>
@@ -652,7 +652,7 @@
             <a:fld id="{B61BEF0D-F0BB-DE4B-95CE-6DB70DBA9567}" type="datetimeFigureOut">
               <a:rPr lang="en-US" smtClean="0"/>
               <a:pPr/>
-              <a:t>12/25/2018</a:t>
+              <a:t>12/11/2020</a:t>
             </a:fld>
             <a:endParaRPr lang="en-US" dirty="0"/>
           </a:p>
@@ -1053,7 +1053,7 @@
             <a:fld id="{B61BEF0D-F0BB-DE4B-95CE-6DB70DBA9567}" type="datetimeFigureOut">
               <a:rPr lang="en-US" smtClean="0"/>
               <a:pPr/>
-              <a:t>12/25/2018</a:t>
+              <a:t>12/11/2020</a:t>
             </a:fld>
             <a:endParaRPr lang="en-US" dirty="0"/>
           </a:p>
@@ -1389,7 +1389,7 @@
             <a:fld id="{B61BEF0D-F0BB-DE4B-95CE-6DB70DBA9567}" type="datetimeFigureOut">
               <a:rPr lang="en-US" smtClean="0"/>
               <a:pPr/>
-              <a:t>12/25/2018</a:t>
+              <a:t>12/11/2020</a:t>
             </a:fld>
             <a:endParaRPr lang="en-US" dirty="0"/>
           </a:p>
@@ -1709,7 +1709,7 @@
             <a:fld id="{B61BEF0D-F0BB-DE4B-95CE-6DB70DBA9567}" type="datetimeFigureOut">
               <a:rPr lang="en-US" smtClean="0"/>
               <a:pPr/>
-              <a:t>12/25/2018</a:t>
+              <a:t>12/11/2020</a:t>
             </a:fld>
             <a:endParaRPr lang="en-US" dirty="0"/>
           </a:p>
@@ -2105,7 +2105,7 @@
             <a:fld id="{B61BEF0D-F0BB-DE4B-95CE-6DB70DBA9567}" type="datetimeFigureOut">
               <a:rPr lang="en-US" smtClean="0"/>
               <a:pPr/>
-              <a:t>12/25/2018</a:t>
+              <a:t>12/11/2020</a:t>
             </a:fld>
             <a:endParaRPr lang="en-US" dirty="0"/>
           </a:p>
@@ -2362,7 +2362,7 @@
             <a:fld id="{B61BEF0D-F0BB-DE4B-95CE-6DB70DBA9567}" type="datetimeFigureOut">
               <a:rPr lang="en-US" smtClean="0"/>
               <a:pPr/>
-              <a:t>12/25/2018</a:t>
+              <a:t>12/11/2020</a:t>
             </a:fld>
             <a:endParaRPr lang="en-US" dirty="0"/>
           </a:p>
@@ -2624,7 +2624,7 @@
             <a:fld id="{B61BEF0D-F0BB-DE4B-95CE-6DB70DBA9567}" type="datetimeFigureOut">
               <a:rPr lang="en-US" smtClean="0"/>
               <a:pPr/>
-              <a:t>12/25/2018</a:t>
+              <a:t>12/11/2020</a:t>
             </a:fld>
             <a:endParaRPr lang="en-US" dirty="0"/>
           </a:p>
@@ -2927,7 +2927,7 @@
             <a:fld id="{B61BEF0D-F0BB-DE4B-95CE-6DB70DBA9567}" type="datetimeFigureOut">
               <a:rPr lang="en-US" smtClean="0"/>
               <a:pPr/>
-              <a:t>12/25/2018</a:t>
+              <a:t>12/11/2020</a:t>
             </a:fld>
             <a:endParaRPr lang="en-US" dirty="0"/>
           </a:p>
@@ -3256,7 +3256,7 @@
             <a:fld id="{B61BEF0D-F0BB-DE4B-95CE-6DB70DBA9567}" type="datetimeFigureOut">
               <a:rPr lang="en-US" smtClean="0"/>
               <a:pPr/>
-              <a:t>12/25/2018</a:t>
+              <a:t>12/11/2020</a:t>
             </a:fld>
             <a:endParaRPr lang="en-US" dirty="0"/>
           </a:p>
@@ -3579,7 +3579,7 @@
             <a:fld id="{B61BEF0D-F0BB-DE4B-95CE-6DB70DBA9567}" type="datetimeFigureOut">
               <a:rPr lang="en-US" smtClean="0"/>
               <a:pPr/>
-              <a:t>12/25/2018</a:t>
+              <a:t>12/11/2020</a:t>
             </a:fld>
             <a:endParaRPr lang="en-US" dirty="0"/>
           </a:p>
@@ -4036,7 +4036,7 @@
             <a:fld id="{B61BEF0D-F0BB-DE4B-95CE-6DB70DBA9567}" type="datetimeFigureOut">
               <a:rPr lang="en-US" smtClean="0"/>
               <a:pPr/>
-              <a:t>12/25/2018</a:t>
+              <a:t>12/11/2020</a:t>
             </a:fld>
             <a:endParaRPr lang="en-US" dirty="0"/>
           </a:p>
@@ -4246,7 +4246,7 @@
             <a:fld id="{B61BEF0D-F0BB-DE4B-95CE-6DB70DBA9567}" type="datetimeFigureOut">
               <a:rPr lang="en-US" smtClean="0"/>
               <a:pPr/>
-              <a:t>12/25/2018</a:t>
+              <a:t>12/11/2020</a:t>
             </a:fld>
             <a:endParaRPr lang="en-US" dirty="0"/>
           </a:p>
@@ -4423,7 +4423,7 @@
             <a:fld id="{B61BEF0D-F0BB-DE4B-95CE-6DB70DBA9567}" type="datetimeFigureOut">
               <a:rPr lang="en-US" smtClean="0"/>
               <a:pPr/>
-              <a:t>12/25/2018</a:t>
+              <a:t>12/11/2020</a:t>
             </a:fld>
             <a:endParaRPr lang="en-US" dirty="0"/>
           </a:p>
@@ -4756,7 +4756,7 @@
             <a:fld id="{B61BEF0D-F0BB-DE4B-95CE-6DB70DBA9567}" type="datetimeFigureOut">
               <a:rPr lang="en-US" smtClean="0"/>
               <a:pPr/>
-              <a:t>12/25/2018</a:t>
+              <a:t>12/11/2020</a:t>
             </a:fld>
             <a:endParaRPr lang="en-US" dirty="0"/>
           </a:p>
@@ -5101,7 +5101,7 @@
             <a:fld id="{B61BEF0D-F0BB-DE4B-95CE-6DB70DBA9567}" type="datetimeFigureOut">
               <a:rPr lang="en-US" smtClean="0"/>
               <a:pPr/>
-              <a:t>12/25/2018</a:t>
+              <a:t>12/11/2020</a:t>
             </a:fld>
             <a:endParaRPr lang="en-US" dirty="0"/>
           </a:p>
@@ -7218,7 +7218,7 @@
             <a:fld id="{B61BEF0D-F0BB-DE4B-95CE-6DB70DBA9567}" type="datetimeFigureOut">
               <a:rPr lang="en-US" smtClean="0"/>
               <a:pPr/>
-              <a:t>12/25/2018</a:t>
+              <a:t>12/11/2020</a:t>
             </a:fld>
             <a:endParaRPr lang="en-US" dirty="0"/>
           </a:p>
@@ -30098,6 +30098,43 @@
             </a:r>
             <a:endParaRPr lang="en-US" altLang="zh-CN" dirty="0"/>
           </a:p>
+          <a:p>
+            <a:r>
+              <a:rPr lang="zh-CN" altLang="en-US" dirty="0"/>
+              <a:t>使用在线工具练习正则表达式的编写。</a:t>
+            </a:r>
+            <a:endParaRPr lang="en-US" altLang="zh-CN" dirty="0"/>
+          </a:p>
+          <a:p>
+            <a:pPr lvl="1"/>
+            <a:r>
+              <a:rPr lang="en-US" altLang="zh-CN" dirty="0">
+                <a:hlinkClick r:id="rId2"/>
+              </a:rPr>
+              <a:t>http://regex101.com</a:t>
+            </a:r>
+            <a:endParaRPr lang="en-US" altLang="zh-CN" dirty="0"/>
+          </a:p>
+          <a:p>
+            <a:pPr lvl="1"/>
+            <a:r>
+              <a:rPr lang="en-US" altLang="zh-CN" dirty="0">
+                <a:hlinkClick r:id="rId3"/>
+              </a:rPr>
+              <a:t>http://tool.</a:t>
+            </a:r>
+            <a:r>
+              <a:rPr lang="en-US" altLang="zh-CN">
+                <a:hlinkClick r:id="rId3"/>
+              </a:rPr>
+              <a:t>oschina.net/regex/</a:t>
+            </a:r>
+            <a:endParaRPr lang="en-US" altLang="zh-CN"/>
+          </a:p>
+          <a:p>
+            <a:pPr lvl="1"/>
+            <a:endParaRPr lang="en-US" altLang="zh-CN" dirty="0"/>
+          </a:p>
         </p:txBody>
       </p:sp>
     </p:spTree>
